--- a/Revue n1/Presentation du projet SFL2 (Pierre).pptx
+++ b/Revue n1/Presentation du projet SFL2 (Pierre).pptx
@@ -9,6 +9,8 @@
     <p:sldId id="257" r:id="rId3"/>
     <p:sldId id="258" r:id="rId4"/>
     <p:sldId id="259" r:id="rId5"/>
+    <p:sldId id="260" r:id="rId6"/>
+    <p:sldId id="261" r:id="rId7"/>
   </p:sldIdLst>
   <p:sldSz cx="12192000" cy="6858000"/>
   <p:notesSz cx="6858000" cy="9144000"/>
@@ -210,7 +212,7 @@
           <a:effectLst/>
           <a:extLst>
             <a:ext uri="{91240B29-F687-4f45-9708-019B960494DF}">
-              <a14:hiddenLine xmlns="" xmlns:a14="http://schemas.microsoft.com/office/drawing/2010/main" w="9525">
+              <a14:hiddenLine xmlns:a14="http://schemas.microsoft.com/office/drawing/2010/main" xmlns="" w="9525">
                 <a:solidFill>
                   <a:srgbClr val="000000"/>
                 </a:solidFill>
@@ -1720,7 +1722,7 @@
           <a:ln/>
           <a:extLst>
             <a:ext uri="{91240B29-F687-4f45-9708-019B960494DF}">
-              <a14:hiddenLine xmlns="" xmlns:a14="http://schemas.microsoft.com/office/drawing/2010/main" w="9525">
+              <a14:hiddenLine xmlns:a14="http://schemas.microsoft.com/office/drawing/2010/main" xmlns="" w="9525">
                 <a:solidFill>
                   <a:srgbClr val="000000"/>
                 </a:solidFill>
@@ -1992,7 +1994,7 @@
           <a:ln/>
           <a:extLst>
             <a:ext uri="{91240B29-F687-4f45-9708-019B960494DF}">
-              <a14:hiddenLine xmlns="" xmlns:a14="http://schemas.microsoft.com/office/drawing/2010/main" w="9525">
+              <a14:hiddenLine xmlns:a14="http://schemas.microsoft.com/office/drawing/2010/main" xmlns="" w="9525">
                 <a:solidFill>
                   <a:srgbClr val="000000"/>
                 </a:solidFill>
@@ -2272,7 +2274,7 @@
           <a:ln/>
           <a:extLst>
             <a:ext uri="{91240B29-F687-4f45-9708-019B960494DF}">
-              <a14:hiddenLine xmlns="" xmlns:a14="http://schemas.microsoft.com/office/drawing/2010/main" w="9525">
+              <a14:hiddenLine xmlns:a14="http://schemas.microsoft.com/office/drawing/2010/main" xmlns="" w="9525">
                 <a:solidFill>
                   <a:srgbClr val="000000"/>
                 </a:solidFill>
@@ -2892,7 +2894,7 @@
           <a:ln/>
           <a:extLst>
             <a:ext uri="{91240B29-F687-4f45-9708-019B960494DF}">
-              <a14:hiddenLine xmlns="" xmlns:a14="http://schemas.microsoft.com/office/drawing/2010/main" w="9525">
+              <a14:hiddenLine xmlns:a14="http://schemas.microsoft.com/office/drawing/2010/main" xmlns="" w="9525">
                 <a:solidFill>
                   <a:srgbClr val="000000"/>
                 </a:solidFill>
@@ -3228,7 +3230,7 @@
           <a:ln/>
           <a:extLst>
             <a:ext uri="{91240B29-F687-4f45-9708-019B960494DF}">
-              <a14:hiddenLine xmlns="" xmlns:a14="http://schemas.microsoft.com/office/drawing/2010/main" w="9525">
+              <a14:hiddenLine xmlns:a14="http://schemas.microsoft.com/office/drawing/2010/main" xmlns="" w="9525">
                 <a:solidFill>
                   <a:srgbClr val="000000"/>
                 </a:solidFill>
@@ -3702,7 +3704,7 @@
           <a:ln/>
           <a:extLst>
             <a:ext uri="{91240B29-F687-4f45-9708-019B960494DF}">
-              <a14:hiddenLine xmlns="" xmlns:a14="http://schemas.microsoft.com/office/drawing/2010/main" w="9525">
+              <a14:hiddenLine xmlns:a14="http://schemas.microsoft.com/office/drawing/2010/main" xmlns="" w="9525">
                 <a:solidFill>
                   <a:srgbClr val="000000"/>
                 </a:solidFill>
@@ -4125,7 +4127,7 @@
           <a:ln/>
           <a:extLst>
             <a:ext uri="{91240B29-F687-4f45-9708-019B960494DF}">
-              <a14:hiddenLine xmlns="" xmlns:a14="http://schemas.microsoft.com/office/drawing/2010/main" w="9525">
+              <a14:hiddenLine xmlns:a14="http://schemas.microsoft.com/office/drawing/2010/main" xmlns="" w="9525">
                 <a:solidFill>
                   <a:srgbClr val="000000"/>
                 </a:solidFill>
@@ -6654,6 +6656,822 @@
 </p:sld>
 </file>
 
+<file path=ppt/slides/slide5.xml><?xml version="1.0" encoding="utf-8"?>
+<p:sld xmlns:a="http://schemas.openxmlformats.org/drawingml/2006/main" xmlns:r="http://schemas.openxmlformats.org/officeDocument/2006/relationships" xmlns:p="http://schemas.openxmlformats.org/presentationml/2006/main">
+  <p:cSld>
+    <p:spTree>
+      <p:nvGrpSpPr>
+        <p:cNvPr id="1" name=""/>
+        <p:cNvGrpSpPr/>
+        <p:nvPr/>
+      </p:nvGrpSpPr>
+      <p:grpSpPr>
+        <a:xfrm>
+          <a:off x="0" y="0"/>
+          <a:ext cx="0" cy="0"/>
+          <a:chOff x="0" y="0"/>
+          <a:chExt cx="0" cy="0"/>
+        </a:xfrm>
+      </p:grpSpPr>
+      <p:sp>
+        <p:nvSpPr>
+          <p:cNvPr id="2" name="Titre 1">
+            <a:extLst>
+              <a:ext uri="{FF2B5EF4-FFF2-40B4-BE49-F238E27FC236}">
+                <a16:creationId xmlns:a16="http://schemas.microsoft.com/office/drawing/2014/main" id="{C0EABB35-02BF-4927-88A2-2B4347F5A20D}"/>
+              </a:ext>
+            </a:extLst>
+          </p:cNvPr>
+          <p:cNvSpPr>
+            <a:spLocks noGrp="1"/>
+          </p:cNvSpPr>
+          <p:nvPr>
+            <p:ph type="title"/>
+          </p:nvPr>
+        </p:nvSpPr>
+        <p:spPr>
+          <a:xfrm>
+            <a:off x="853190" y="1965141"/>
+            <a:ext cx="5893840" cy="1342908"/>
+          </a:xfrm>
+        </p:spPr>
+        <p:txBody>
+          <a:bodyPr/>
+          <a:lstStyle/>
+          <a:p>
+            <a:r>
+              <a:rPr lang="fr-FR" dirty="0"/>
+              <a:t>Rôle étudiant 4 :</a:t>
+            </a:r>
+            <a:br>
+              <a:rPr lang="fr-FR" dirty="0"/>
+            </a:br>
+            <a:r>
+              <a:rPr lang="fr-FR" dirty="0"/>
+              <a:t>Application emprunteur</a:t>
+            </a:r>
+          </a:p>
+        </p:txBody>
+      </p:sp>
+      <p:sp>
+        <p:nvSpPr>
+          <p:cNvPr id="3" name="Espace réservé du texte 2">
+            <a:extLst>
+              <a:ext uri="{FF2B5EF4-FFF2-40B4-BE49-F238E27FC236}">
+                <a16:creationId xmlns:a16="http://schemas.microsoft.com/office/drawing/2014/main" id="{B5912F65-287A-4632-ABC3-8E74B190C1FA}"/>
+              </a:ext>
+            </a:extLst>
+          </p:cNvPr>
+          <p:cNvSpPr>
+            <a:spLocks noGrp="1"/>
+          </p:cNvSpPr>
+          <p:nvPr>
+            <p:ph type="body" idx="1"/>
+          </p:nvPr>
+        </p:nvSpPr>
+        <p:spPr>
+          <a:xfrm>
+            <a:off x="853190" y="4443680"/>
+            <a:ext cx="5891636" cy="2133583"/>
+          </a:xfrm>
+        </p:spPr>
+        <p:txBody>
+          <a:bodyPr/>
+          <a:lstStyle/>
+          <a:p>
+            <a:pPr marL="285750" indent="-285750">
+              <a:buFont typeface="Courier New" panose="02070309020205020404" pitchFamily="49" charset="0"/>
+              <a:buChar char="o"/>
+            </a:pPr>
+            <a:r>
+              <a:rPr lang="fr-FR" sz="2400" dirty="0"/>
+              <a:t>Création d’une partie d’application « emprunteur » sous Android Studio</a:t>
+            </a:r>
+          </a:p>
+          <a:p>
+            <a:pPr marL="285750" indent="-285750">
+              <a:buFont typeface="Courier New" panose="02070309020205020404" pitchFamily="49" charset="0"/>
+              <a:buChar char="o"/>
+            </a:pPr>
+            <a:r>
+              <a:rPr lang="fr-FR" sz="2400" dirty="0"/>
+              <a:t>Aider à la création de la partie application « Scan» avec l’étudiant 3</a:t>
+            </a:r>
+          </a:p>
+        </p:txBody>
+      </p:sp>
+      <p:pic>
+        <p:nvPicPr>
+          <p:cNvPr id="10" name="Image 9">
+            <a:extLst>
+              <a:ext uri="{FF2B5EF4-FFF2-40B4-BE49-F238E27FC236}">
+                <a16:creationId xmlns:a16="http://schemas.microsoft.com/office/drawing/2014/main" id="{61FAD1AB-71DB-4156-899F-DCC887E024CD}"/>
+              </a:ext>
+            </a:extLst>
+          </p:cNvPr>
+          <p:cNvPicPr>
+            <a:picLocks noChangeAspect="1"/>
+          </p:cNvPicPr>
+          <p:nvPr/>
+        </p:nvPicPr>
+        <p:blipFill>
+          <a:blip r:embed="rId2" cstate="print">
+            <a:extLst>
+              <a:ext uri="{28A0092B-C50C-407E-A947-70E740481C1C}">
+                <a14:useLocalDpi xmlns:a14="http://schemas.microsoft.com/office/drawing/2010/main" val="0"/>
+              </a:ext>
+            </a:extLst>
+          </a:blip>
+          <a:stretch>
+            <a:fillRect/>
+          </a:stretch>
+        </p:blipFill>
+        <p:spPr>
+          <a:xfrm>
+            <a:off x="8694759" y="3940156"/>
+            <a:ext cx="1989283" cy="2490356"/>
+          </a:xfrm>
+          <a:prstGeom prst="rect">
+            <a:avLst/>
+          </a:prstGeom>
+        </p:spPr>
+      </p:pic>
+      <p:sp>
+        <p:nvSpPr>
+          <p:cNvPr id="4" name="ZoneTexte 3">
+            <a:extLst>
+              <a:ext uri="{FF2B5EF4-FFF2-40B4-BE49-F238E27FC236}">
+                <a16:creationId xmlns:a16="http://schemas.microsoft.com/office/drawing/2014/main" id="{CBEFB6C7-F802-4D47-80D7-841B6A40CDA6}"/>
+              </a:ext>
+            </a:extLst>
+          </p:cNvPr>
+          <p:cNvSpPr txBox="1"/>
+          <p:nvPr/>
+        </p:nvSpPr>
+        <p:spPr>
+          <a:xfrm>
+            <a:off x="8221546" y="1135894"/>
+            <a:ext cx="2935705" cy="830997"/>
+          </a:xfrm>
+          <a:prstGeom prst="rect">
+            <a:avLst/>
+          </a:prstGeom>
+          <a:noFill/>
+        </p:spPr>
+        <p:txBody>
+          <a:bodyPr wrap="square" rtlCol="0">
+            <a:spAutoFit/>
+          </a:bodyPr>
+          <a:lstStyle/>
+          <a:p>
+            <a:r>
+              <a:rPr lang="fr-FR" sz="2400" b="1" u="sng" dirty="0"/>
+              <a:t>Application Emprunteur</a:t>
+            </a:r>
+          </a:p>
+        </p:txBody>
+      </p:sp>
+      <p:sp>
+        <p:nvSpPr>
+          <p:cNvPr id="7" name="Espace réservé du texte 2">
+            <a:extLst>
+              <a:ext uri="{FF2B5EF4-FFF2-40B4-BE49-F238E27FC236}">
+                <a16:creationId xmlns:a16="http://schemas.microsoft.com/office/drawing/2014/main" id="{14E3AEFB-7170-42B0-A722-64066F6E406D}"/>
+              </a:ext>
+            </a:extLst>
+          </p:cNvPr>
+          <p:cNvSpPr txBox="1">
+            <a:spLocks/>
+          </p:cNvSpPr>
+          <p:nvPr/>
+        </p:nvSpPr>
+        <p:spPr>
+          <a:xfrm>
+            <a:off x="7426992" y="1839921"/>
+            <a:ext cx="4524814" cy="1615512"/>
+          </a:xfrm>
+          <a:prstGeom prst="rect">
+            <a:avLst/>
+          </a:prstGeom>
+          <a:effectLst>
+            <a:outerShdw blurRad="50800" dir="14400000">
+              <a:srgbClr val="000000">
+                <a:alpha val="40000"/>
+              </a:srgbClr>
+            </a:outerShdw>
+          </a:effectLst>
+        </p:spPr>
+        <p:txBody>
+          <a:bodyPr vert="horz" lIns="91440" tIns="45720" rIns="91440" bIns="45720" rtlCol="0" anchor="t">
+            <a:noAutofit/>
+          </a:bodyPr>
+          <a:lstStyle>
+            <a:lvl1pPr marL="0" indent="0" algn="l" defTabSz="457200" rtl="0" eaLnBrk="1" latinLnBrk="0" hangingPunct="1">
+              <a:spcBef>
+                <a:spcPct val="20000"/>
+              </a:spcBef>
+              <a:spcAft>
+                <a:spcPts val="600"/>
+              </a:spcAft>
+              <a:buClr>
+                <a:schemeClr val="accent1"/>
+              </a:buClr>
+              <a:buFont typeface="Wingdings 2" charset="2"/>
+              <a:buNone/>
+              <a:defRPr sz="1800" kern="1200">
+                <a:solidFill>
+                  <a:schemeClr val="tx1"/>
+                </a:solidFill>
+                <a:latin typeface="+mn-lt"/>
+                <a:ea typeface="+mn-ea"/>
+                <a:cs typeface="+mn-cs"/>
+              </a:defRPr>
+            </a:lvl1pPr>
+            <a:lvl2pPr marL="457200" indent="0" algn="l" defTabSz="457200" rtl="0" eaLnBrk="1" latinLnBrk="0" hangingPunct="1">
+              <a:spcBef>
+                <a:spcPct val="20000"/>
+              </a:spcBef>
+              <a:spcAft>
+                <a:spcPts val="600"/>
+              </a:spcAft>
+              <a:buClr>
+                <a:schemeClr val="accent1"/>
+              </a:buClr>
+              <a:buFont typeface="Wingdings 2" charset="2"/>
+              <a:buNone/>
+              <a:defRPr sz="1800" kern="1200">
+                <a:solidFill>
+                  <a:schemeClr val="tx1">
+                    <a:tint val="75000"/>
+                  </a:schemeClr>
+                </a:solidFill>
+                <a:latin typeface="+mn-lt"/>
+                <a:ea typeface="+mn-ea"/>
+                <a:cs typeface="+mn-cs"/>
+              </a:defRPr>
+            </a:lvl2pPr>
+            <a:lvl3pPr marL="914400" indent="0" algn="l" defTabSz="457200" rtl="0" eaLnBrk="1" latinLnBrk="0" hangingPunct="1">
+              <a:spcBef>
+                <a:spcPct val="20000"/>
+              </a:spcBef>
+              <a:spcAft>
+                <a:spcPts val="600"/>
+              </a:spcAft>
+              <a:buClr>
+                <a:schemeClr val="accent1"/>
+              </a:buClr>
+              <a:buFont typeface="Wingdings 2" charset="2"/>
+              <a:buNone/>
+              <a:defRPr sz="1600" kern="1200">
+                <a:solidFill>
+                  <a:schemeClr val="tx1">
+                    <a:tint val="75000"/>
+                  </a:schemeClr>
+                </a:solidFill>
+                <a:latin typeface="+mn-lt"/>
+                <a:ea typeface="+mn-ea"/>
+                <a:cs typeface="+mn-cs"/>
+              </a:defRPr>
+            </a:lvl3pPr>
+            <a:lvl4pPr marL="1371600" indent="0" algn="l" defTabSz="457200" rtl="0" eaLnBrk="1" latinLnBrk="0" hangingPunct="1">
+              <a:spcBef>
+                <a:spcPct val="20000"/>
+              </a:spcBef>
+              <a:spcAft>
+                <a:spcPts val="600"/>
+              </a:spcAft>
+              <a:buClr>
+                <a:schemeClr val="accent1"/>
+              </a:buClr>
+              <a:buFont typeface="Wingdings 2" charset="2"/>
+              <a:buNone/>
+              <a:defRPr sz="1400" kern="1200">
+                <a:solidFill>
+                  <a:schemeClr val="tx1">
+                    <a:tint val="75000"/>
+                  </a:schemeClr>
+                </a:solidFill>
+                <a:latin typeface="+mn-lt"/>
+                <a:ea typeface="+mn-ea"/>
+                <a:cs typeface="+mn-cs"/>
+              </a:defRPr>
+            </a:lvl4pPr>
+            <a:lvl5pPr marL="1828800" indent="0" algn="l" defTabSz="457200" rtl="0" eaLnBrk="1" latinLnBrk="0" hangingPunct="1">
+              <a:spcBef>
+                <a:spcPct val="20000"/>
+              </a:spcBef>
+              <a:spcAft>
+                <a:spcPts val="600"/>
+              </a:spcAft>
+              <a:buClr>
+                <a:schemeClr val="accent1"/>
+              </a:buClr>
+              <a:buFont typeface="Wingdings 2" charset="2"/>
+              <a:buNone/>
+              <a:defRPr sz="1400" kern="1200">
+                <a:solidFill>
+                  <a:schemeClr val="tx1">
+                    <a:tint val="75000"/>
+                  </a:schemeClr>
+                </a:solidFill>
+                <a:latin typeface="+mn-lt"/>
+                <a:ea typeface="+mn-ea"/>
+                <a:cs typeface="+mn-cs"/>
+              </a:defRPr>
+            </a:lvl5pPr>
+            <a:lvl6pPr marL="2286000" indent="0" algn="l" defTabSz="457200" rtl="0" eaLnBrk="1" latinLnBrk="0" hangingPunct="1">
+              <a:spcBef>
+                <a:spcPct val="20000"/>
+              </a:spcBef>
+              <a:spcAft>
+                <a:spcPts val="600"/>
+              </a:spcAft>
+              <a:buClr>
+                <a:schemeClr val="accent1"/>
+              </a:buClr>
+              <a:buFont typeface="Wingdings 2" charset="2"/>
+              <a:buNone/>
+              <a:defRPr sz="1400" kern="1200">
+                <a:solidFill>
+                  <a:schemeClr val="tx1">
+                    <a:tint val="75000"/>
+                  </a:schemeClr>
+                </a:solidFill>
+                <a:latin typeface="+mn-lt"/>
+                <a:ea typeface="+mn-ea"/>
+                <a:cs typeface="+mn-cs"/>
+              </a:defRPr>
+            </a:lvl6pPr>
+            <a:lvl7pPr marL="2743200" indent="0" algn="l" defTabSz="457200" rtl="0" eaLnBrk="1" latinLnBrk="0" hangingPunct="1">
+              <a:spcBef>
+                <a:spcPct val="20000"/>
+              </a:spcBef>
+              <a:spcAft>
+                <a:spcPts val="600"/>
+              </a:spcAft>
+              <a:buClr>
+                <a:schemeClr val="accent1"/>
+              </a:buClr>
+              <a:buFont typeface="Wingdings 2" charset="2"/>
+              <a:buNone/>
+              <a:defRPr sz="1400" kern="1200">
+                <a:solidFill>
+                  <a:schemeClr val="tx1">
+                    <a:tint val="75000"/>
+                  </a:schemeClr>
+                </a:solidFill>
+                <a:latin typeface="+mn-lt"/>
+                <a:ea typeface="+mn-ea"/>
+                <a:cs typeface="+mn-cs"/>
+              </a:defRPr>
+            </a:lvl7pPr>
+            <a:lvl8pPr marL="3200400" indent="0" algn="l" defTabSz="457200" rtl="0" eaLnBrk="1" latinLnBrk="0" hangingPunct="1">
+              <a:spcBef>
+                <a:spcPct val="20000"/>
+              </a:spcBef>
+              <a:spcAft>
+                <a:spcPts val="600"/>
+              </a:spcAft>
+              <a:buClr>
+                <a:schemeClr val="accent1"/>
+              </a:buClr>
+              <a:buFont typeface="Wingdings 2" charset="2"/>
+              <a:buNone/>
+              <a:defRPr sz="1400" kern="1200">
+                <a:solidFill>
+                  <a:schemeClr val="tx1">
+                    <a:tint val="75000"/>
+                  </a:schemeClr>
+                </a:solidFill>
+                <a:latin typeface="+mn-lt"/>
+                <a:ea typeface="+mn-ea"/>
+                <a:cs typeface="+mn-cs"/>
+              </a:defRPr>
+            </a:lvl8pPr>
+            <a:lvl9pPr marL="3657600" indent="0" algn="l" defTabSz="457200" rtl="0" eaLnBrk="1" latinLnBrk="0" hangingPunct="1">
+              <a:spcBef>
+                <a:spcPct val="20000"/>
+              </a:spcBef>
+              <a:spcAft>
+                <a:spcPts val="600"/>
+              </a:spcAft>
+              <a:buClr>
+                <a:schemeClr val="accent1"/>
+              </a:buClr>
+              <a:buFont typeface="Wingdings 2" charset="2"/>
+              <a:buNone/>
+              <a:defRPr sz="1400" kern="1200">
+                <a:solidFill>
+                  <a:schemeClr val="tx1">
+                    <a:tint val="75000"/>
+                  </a:schemeClr>
+                </a:solidFill>
+                <a:latin typeface="+mn-lt"/>
+                <a:ea typeface="+mn-ea"/>
+                <a:cs typeface="+mn-cs"/>
+              </a:defRPr>
+            </a:lvl9pPr>
+          </a:lstStyle>
+          <a:p>
+            <a:pPr marL="285750" indent="-285750">
+              <a:buFont typeface="Courier New" panose="02070309020205020404" pitchFamily="49" charset="0"/>
+              <a:buChar char="o"/>
+            </a:pPr>
+            <a:r>
+              <a:rPr lang="fr-FR" sz="2400" dirty="0"/>
+              <a:t>Scanner une étiquette RFID</a:t>
+            </a:r>
+          </a:p>
+          <a:p>
+            <a:pPr marL="285750" indent="-285750">
+              <a:buFont typeface="Courier New" panose="02070309020205020404" pitchFamily="49" charset="0"/>
+              <a:buChar char="o"/>
+            </a:pPr>
+            <a:r>
+              <a:rPr lang="fr-FR" sz="2400" dirty="0"/>
+              <a:t>Sécuriser le matériel</a:t>
+            </a:r>
+          </a:p>
+          <a:p>
+            <a:pPr marL="285750" indent="-285750">
+              <a:buFont typeface="Courier New" panose="02070309020205020404" pitchFamily="49" charset="0"/>
+              <a:buChar char="o"/>
+            </a:pPr>
+            <a:r>
+              <a:rPr lang="fr-FR" sz="2400" dirty="0"/>
+              <a:t>Emprunte le matériel</a:t>
+            </a:r>
+          </a:p>
+          <a:p>
+            <a:pPr marL="285750" indent="-285750">
+              <a:buFont typeface="Courier New" panose="02070309020205020404" pitchFamily="49" charset="0"/>
+              <a:buChar char="o"/>
+            </a:pPr>
+            <a:r>
+              <a:rPr lang="fr-FR" sz="2400" dirty="0"/>
+              <a:t>Information sur le matériel</a:t>
+            </a:r>
+          </a:p>
+        </p:txBody>
+      </p:sp>
+    </p:spTree>
+    <p:extLst>
+      <p:ext uri="{BB962C8B-B14F-4D97-AF65-F5344CB8AC3E}">
+        <p14:creationId xmlns:p14="http://schemas.microsoft.com/office/powerpoint/2010/main" val="1622655360"/>
+      </p:ext>
+    </p:extLst>
+  </p:cSld>
+  <p:clrMapOvr>
+    <a:masterClrMapping/>
+  </p:clrMapOvr>
+</p:sld>
+</file>
+
+<file path=ppt/slides/slide6.xml><?xml version="1.0" encoding="utf-8"?>
+<p:sld xmlns:a="http://schemas.openxmlformats.org/drawingml/2006/main" xmlns:r="http://schemas.openxmlformats.org/officeDocument/2006/relationships" xmlns:p="http://schemas.openxmlformats.org/presentationml/2006/main">
+  <p:cSld>
+    <p:spTree>
+      <p:nvGrpSpPr>
+        <p:cNvPr id="1" name=""/>
+        <p:cNvGrpSpPr/>
+        <p:nvPr/>
+      </p:nvGrpSpPr>
+      <p:grpSpPr>
+        <a:xfrm>
+          <a:off x="0" y="0"/>
+          <a:ext cx="0" cy="0"/>
+          <a:chOff x="0" y="0"/>
+          <a:chExt cx="0" cy="0"/>
+        </a:xfrm>
+      </p:grpSpPr>
+      <p:sp>
+        <p:nvSpPr>
+          <p:cNvPr id="2" name="Titre 1">
+            <a:extLst>
+              <a:ext uri="{FF2B5EF4-FFF2-40B4-BE49-F238E27FC236}">
+                <a16:creationId xmlns:a16="http://schemas.microsoft.com/office/drawing/2014/main" id="{E0B0C63A-BD8F-4F56-BCC9-E96007308935}"/>
+              </a:ext>
+            </a:extLst>
+          </p:cNvPr>
+          <p:cNvSpPr>
+            <a:spLocks noGrp="1"/>
+          </p:cNvSpPr>
+          <p:nvPr>
+            <p:ph type="title"/>
+          </p:nvPr>
+        </p:nvSpPr>
+        <p:spPr/>
+        <p:txBody>
+          <a:bodyPr/>
+          <a:lstStyle/>
+          <a:p>
+            <a:r>
+              <a:rPr lang="fr-FR" sz="5400" dirty="0"/>
+              <a:t>Matériels &amp; technologies</a:t>
+            </a:r>
+          </a:p>
+        </p:txBody>
+      </p:sp>
+      <p:pic>
+        <p:nvPicPr>
+          <p:cNvPr id="3" name="Image 2">
+            <a:extLst>
+              <a:ext uri="{FF2B5EF4-FFF2-40B4-BE49-F238E27FC236}">
+                <a16:creationId xmlns:a16="http://schemas.microsoft.com/office/drawing/2014/main" id="{9BC7E72C-AC4F-4DF5-A115-1C40F59723F4}"/>
+              </a:ext>
+            </a:extLst>
+          </p:cNvPr>
+          <p:cNvPicPr>
+            <a:picLocks noChangeAspect="1"/>
+          </p:cNvPicPr>
+          <p:nvPr/>
+        </p:nvPicPr>
+        <p:blipFill>
+          <a:blip r:embed="rId2" cstate="print">
+            <a:extLst>
+              <a:ext uri="{28A0092B-C50C-407E-A947-70E740481C1C}">
+                <a14:useLocalDpi xmlns:a14="http://schemas.microsoft.com/office/drawing/2010/main" val="0"/>
+              </a:ext>
+            </a:extLst>
+          </a:blip>
+          <a:stretch>
+            <a:fillRect/>
+          </a:stretch>
+        </p:blipFill>
+        <p:spPr>
+          <a:xfrm>
+            <a:off x="3596152" y="3833536"/>
+            <a:ext cx="1361257" cy="2382198"/>
+          </a:xfrm>
+          <a:prstGeom prst="rect">
+            <a:avLst/>
+          </a:prstGeom>
+        </p:spPr>
+      </p:pic>
+      <p:pic>
+        <p:nvPicPr>
+          <p:cNvPr id="4" name="Image 3">
+            <a:extLst>
+              <a:ext uri="{FF2B5EF4-FFF2-40B4-BE49-F238E27FC236}">
+                <a16:creationId xmlns:a16="http://schemas.microsoft.com/office/drawing/2014/main" id="{CBF00F78-D246-44B3-8737-ECED94ABD6E2}"/>
+              </a:ext>
+            </a:extLst>
+          </p:cNvPr>
+          <p:cNvPicPr>
+            <a:picLocks noChangeAspect="1"/>
+          </p:cNvPicPr>
+          <p:nvPr/>
+        </p:nvPicPr>
+        <p:blipFill>
+          <a:blip r:embed="rId3">
+            <a:extLst>
+              <a:ext uri="{BEBA8EAE-BF5A-486C-A8C5-ECC9F3942E4B}">
+                <a14:imgProps xmlns:a14="http://schemas.microsoft.com/office/drawing/2010/main">
+                  <a14:imgLayer r:embed="rId4">
+                    <a14:imgEffect>
+                      <a14:backgroundRemoval t="5291" b="95591" l="1764" r="97002">
+                        <a14:foregroundMark x1="8818" y1="24339" x2="2646" y2="44621"/>
+                        <a14:foregroundMark x1="2646" y1="44621" x2="1764" y2="55732"/>
+                        <a14:foregroundMark x1="1764" y1="55732" x2="2675" y2="61707"/>
+                        <a14:foregroundMark x1="12558" y1="81587" x2="13757" y2="83598"/>
+                        <a14:foregroundMark x1="5568" y1="69858" x2="11746" y2="80223"/>
+                        <a14:foregroundMark x1="13757" y1="83598" x2="38095" y2="95591"/>
+                        <a14:foregroundMark x1="38095" y1="95591" x2="55379" y2="97178"/>
+                        <a14:foregroundMark x1="55379" y1="97178" x2="78204" y2="90001"/>
+                        <a14:foregroundMark x1="85822" y1="84170" x2="94533" y2="68959"/>
+                        <a14:foregroundMark x1="94533" y1="68959" x2="97178" y2="44268"/>
+                        <a14:foregroundMark x1="97178" y1="44268" x2="94180" y2="32981"/>
+                        <a14:foregroundMark x1="94180" y1="32981" x2="82011" y2="14462"/>
+                        <a14:foregroundMark x1="82011" y1="14462" x2="43210" y2="4233"/>
+                        <a14:foregroundMark x1="43210" y1="4233" x2="24868" y2="10053"/>
+                        <a14:foregroundMark x1="24868" y1="10053" x2="11915" y2="19416"/>
+                        <a14:foregroundMark x1="8877" y1="24965" x2="8466" y2="26279"/>
+                        <a14:foregroundMark x1="51943" y1="54759" x2="52205" y2="54497"/>
+                        <a14:foregroundMark x1="93122" y1="27160" x2="97531" y2="48325"/>
+                        <a14:foregroundMark x1="97531" y1="48325" x2="97002" y2="59436"/>
+                        <a14:foregroundMark x1="97002" y1="59436" x2="93122" y2="72310"/>
+                        <a14:foregroundMark x1="4762" y1="32804" x2="1764" y2="54497"/>
+                        <a14:foregroundMark x1="1764" y1="54497" x2="3325" y2="61477"/>
+                        <a14:foregroundMark x1="27866" y1="93122" x2="51499" y2="98589"/>
+                        <a14:foregroundMark x1="51499" y1="98589" x2="67372" y2="95591"/>
+                        <a14:foregroundMark x1="67372" y1="95591" x2="72310" y2="93122"/>
+                        <a14:foregroundMark x1="70899" y1="6173" x2="54497" y2="1940"/>
+                        <a14:foregroundMark x1="31487" y1="5041" x2="30199" y2="5214"/>
+                        <a14:foregroundMark x1="54497" y1="1940" x2="31533" y2="5034"/>
+                        <a14:backgroundMark x1="9877" y1="21340" x2="9877" y2="21340"/>
+                        <a14:backgroundMark x1="10935" y1="19753" x2="10935" y2="19753"/>
+                        <a14:backgroundMark x1="10053" y1="20459" x2="10053" y2="20459"/>
+                        <a14:backgroundMark x1="10406" y1="20988" x2="11464" y2="19224"/>
+                        <a14:backgroundMark x1="8818" y1="23104" x2="11993" y2="19224"/>
+                        <a14:backgroundMark x1="31393" y1="5291" x2="31570" y2="4938"/>
+                        <a14:backgroundMark x1="28571" y1="5820" x2="30335" y2="4938"/>
+                        <a14:backgroundMark x1="30688" y1="4938" x2="30688" y2="4938"/>
+                        <a14:backgroundMark x1="3175" y1="66843" x2="3175" y2="66843"/>
+                        <a14:backgroundMark x1="3175" y1="66314" x2="3175" y2="66314"/>
+                        <a14:backgroundMark x1="2998" y1="65961" x2="2998" y2="65961"/>
+                        <a14:backgroundMark x1="2116" y1="61905" x2="5115" y2="70018"/>
+                        <a14:backgroundMark x1="11464" y1="80952" x2="12875" y2="81129"/>
+                        <a14:backgroundMark x1="12875" y1="83245" x2="12522" y2="82540"/>
+                        <a14:backgroundMark x1="77601" y1="91358" x2="85009" y2="85362"/>
+                        <a14:backgroundMark x1="85009" y1="85362" x2="85009" y2="86067"/>
+                        <a14:backgroundMark x1="85714" y1="84127" x2="84303" y2="87478"/>
+                        <a14:backgroundMark x1="49206" y1="47795" x2="52205" y2="53968"/>
+                        <a14:backgroundMark x1="48325" y1="47795" x2="47090" y2="47266"/>
+                        <a14:backgroundMark x1="52205" y1="55026" x2="52910" y2="53439"/>
+                        <a14:backgroundMark x1="48677" y1="46032" x2="48501" y2="45855"/>
+                        <a14:backgroundMark x1="49030" y1="46561" x2="48148" y2="45326"/>
+                        <a14:backgroundMark x1="50794" y1="54497" x2="51675" y2="54497"/>
+                        <a14:backgroundMark x1="51852" y1="54674" x2="51146" y2="55203"/>
+                        <a14:backgroundMark x1="51852" y1="55026" x2="51852" y2="55026"/>
+                        <a14:backgroundMark x1="52028" y1="53792" x2="52028" y2="53792"/>
+                        <a14:backgroundMark x1="52205" y1="54321" x2="52205" y2="54321"/>
+                        <a14:backgroundMark x1="52205" y1="54321" x2="52205" y2="54321"/>
+                        <a14:backgroundMark x1="51852" y1="54145" x2="51852" y2="54145"/>
+                        <a14:backgroundMark x1="51852" y1="54145" x2="51852" y2="54145"/>
+                        <a14:backgroundMark x1="51852" y1="54145" x2="51852" y2="54145"/>
+                        <a14:backgroundMark x1="48501" y1="45855" x2="48501" y2="45855"/>
+                        <a14:backgroundMark x1="48501" y1="45503" x2="48501" y2="45503"/>
+                        <a14:backgroundMark x1="48148" y1="45503" x2="48148" y2="45503"/>
+                        <a14:backgroundMark x1="47619" y1="45503" x2="49383" y2="45503"/>
+                      </a14:backgroundRemoval>
+                    </a14:imgEffect>
+                  </a14:imgLayer>
+                </a14:imgProps>
+              </a:ext>
+              <a:ext uri="{28A0092B-C50C-407E-A947-70E740481C1C}">
+                <a14:useLocalDpi xmlns:a14="http://schemas.microsoft.com/office/drawing/2010/main" val="0"/>
+              </a:ext>
+            </a:extLst>
+          </a:blip>
+          <a:stretch>
+            <a:fillRect/>
+          </a:stretch>
+        </p:blipFill>
+        <p:spPr>
+          <a:xfrm>
+            <a:off x="435817" y="3979153"/>
+            <a:ext cx="2447459" cy="2090963"/>
+          </a:xfrm>
+          <a:prstGeom prst="rect">
+            <a:avLst/>
+          </a:prstGeom>
+        </p:spPr>
+      </p:pic>
+      <p:sp>
+        <p:nvSpPr>
+          <p:cNvPr id="5" name="ZoneTexte 4">
+            <a:extLst>
+              <a:ext uri="{FF2B5EF4-FFF2-40B4-BE49-F238E27FC236}">
+                <a16:creationId xmlns:a16="http://schemas.microsoft.com/office/drawing/2014/main" id="{2F61662E-57F0-4406-A385-9957ECCC1D3C}"/>
+              </a:ext>
+            </a:extLst>
+          </p:cNvPr>
+          <p:cNvSpPr txBox="1"/>
+          <p:nvPr/>
+        </p:nvSpPr>
+        <p:spPr>
+          <a:xfrm>
+            <a:off x="1945249" y="2782669"/>
+            <a:ext cx="2331532" cy="646331"/>
+          </a:xfrm>
+          <a:prstGeom prst="rect">
+            <a:avLst/>
+          </a:prstGeom>
+          <a:noFill/>
+        </p:spPr>
+        <p:txBody>
+          <a:bodyPr wrap="square" rtlCol="0">
+            <a:spAutoFit/>
+          </a:bodyPr>
+          <a:lstStyle/>
+          <a:p>
+            <a:r>
+              <a:rPr lang="fr-FR" sz="3600" b="1" dirty="0"/>
+              <a:t>Physique</a:t>
+            </a:r>
+          </a:p>
+        </p:txBody>
+      </p:sp>
+      <p:sp>
+        <p:nvSpPr>
+          <p:cNvPr id="6" name="ZoneTexte 5">
+            <a:extLst>
+              <a:ext uri="{FF2B5EF4-FFF2-40B4-BE49-F238E27FC236}">
+                <a16:creationId xmlns:a16="http://schemas.microsoft.com/office/drawing/2014/main" id="{51E32AEB-A3F5-4B00-8910-12363FA847CF}"/>
+              </a:ext>
+            </a:extLst>
+          </p:cNvPr>
+          <p:cNvSpPr txBox="1"/>
+          <p:nvPr/>
+        </p:nvSpPr>
+        <p:spPr>
+          <a:xfrm>
+            <a:off x="7915219" y="2782669"/>
+            <a:ext cx="2331532" cy="646331"/>
+          </a:xfrm>
+          <a:prstGeom prst="rect">
+            <a:avLst/>
+          </a:prstGeom>
+          <a:noFill/>
+        </p:spPr>
+        <p:txBody>
+          <a:bodyPr wrap="square" rtlCol="0">
+            <a:spAutoFit/>
+          </a:bodyPr>
+          <a:lstStyle/>
+          <a:p>
+            <a:r>
+              <a:rPr lang="fr-FR" sz="3600" b="1" dirty="0"/>
+              <a:t>Logiciel</a:t>
+            </a:r>
+          </a:p>
+        </p:txBody>
+      </p:sp>
+      <p:pic>
+        <p:nvPicPr>
+          <p:cNvPr id="7" name="Image 6">
+            <a:extLst>
+              <a:ext uri="{FF2B5EF4-FFF2-40B4-BE49-F238E27FC236}">
+                <a16:creationId xmlns:a16="http://schemas.microsoft.com/office/drawing/2014/main" id="{C3F29262-998C-405A-B910-7DF7C5B9789D}"/>
+              </a:ext>
+            </a:extLst>
+          </p:cNvPr>
+          <p:cNvPicPr>
+            <a:picLocks noChangeAspect="1"/>
+          </p:cNvPicPr>
+          <p:nvPr/>
+        </p:nvPicPr>
+        <p:blipFill>
+          <a:blip r:embed="rId5" cstate="print">
+            <a:extLst>
+              <a:ext uri="{28A0092B-C50C-407E-A947-70E740481C1C}">
+                <a14:useLocalDpi xmlns:a14="http://schemas.microsoft.com/office/drawing/2010/main" val="0"/>
+              </a:ext>
+            </a:extLst>
+          </a:blip>
+          <a:stretch>
+            <a:fillRect/>
+          </a:stretch>
+        </p:blipFill>
+        <p:spPr>
+          <a:xfrm>
+            <a:off x="6544673" y="4174231"/>
+            <a:ext cx="1700808" cy="1700808"/>
+          </a:xfrm>
+          <a:prstGeom prst="rect">
+            <a:avLst/>
+          </a:prstGeom>
+        </p:spPr>
+      </p:pic>
+      <p:pic>
+        <p:nvPicPr>
+          <p:cNvPr id="8" name="Image 7">
+            <a:extLst>
+              <a:ext uri="{FF2B5EF4-FFF2-40B4-BE49-F238E27FC236}">
+                <a16:creationId xmlns:a16="http://schemas.microsoft.com/office/drawing/2014/main" id="{10689F10-2223-410A-AD0E-5CA156E7918B}"/>
+              </a:ext>
+            </a:extLst>
+          </p:cNvPr>
+          <p:cNvPicPr>
+            <a:picLocks noChangeAspect="1"/>
+          </p:cNvPicPr>
+          <p:nvPr/>
+        </p:nvPicPr>
+        <p:blipFill>
+          <a:blip r:embed="rId6" cstate="print">
+            <a:extLst>
+              <a:ext uri="{28A0092B-C50C-407E-A947-70E740481C1C}">
+                <a14:useLocalDpi xmlns:a14="http://schemas.microsoft.com/office/drawing/2010/main" val="0"/>
+              </a:ext>
+            </a:extLst>
+          </a:blip>
+          <a:stretch>
+            <a:fillRect/>
+          </a:stretch>
+        </p:blipFill>
+        <p:spPr>
+          <a:xfrm>
+            <a:off x="9681190" y="4091462"/>
+            <a:ext cx="1700808" cy="1700808"/>
+          </a:xfrm>
+          <a:prstGeom prst="rect">
+            <a:avLst/>
+          </a:prstGeom>
+        </p:spPr>
+      </p:pic>
+    </p:spTree>
+    <p:extLst>
+      <p:ext uri="{BB962C8B-B14F-4D97-AF65-F5344CB8AC3E}">
+        <p14:creationId xmlns:p14="http://schemas.microsoft.com/office/powerpoint/2010/main" val="2861865556"/>
+      </p:ext>
+    </p:extLst>
+  </p:cSld>
+  <p:clrMapOvr>
+    <a:masterClrMapping/>
+  </p:clrMapOvr>
+</p:sld>
+</file>
+
 <file path=ppt/theme/theme1.xml><?xml version="1.0" encoding="utf-8"?>
 <a:theme xmlns:a="http://schemas.openxmlformats.org/drawingml/2006/main" name="Concis">
   <a:themeElements>

--- a/Revue n1/Presentation du projet SFL2 (Pierre).pptx
+++ b/Revue n1/Presentation du projet SFL2 (Pierre).pptx
@@ -7,10 +7,8 @@
   <p:sldIdLst>
     <p:sldId id="256" r:id="rId2"/>
     <p:sldId id="257" r:id="rId3"/>
-    <p:sldId id="258" r:id="rId4"/>
+    <p:sldId id="260" r:id="rId4"/>
     <p:sldId id="259" r:id="rId5"/>
-    <p:sldId id="260" r:id="rId6"/>
-    <p:sldId id="261" r:id="rId7"/>
   </p:sldIdLst>
   <p:sldSz cx="12192000" cy="6858000"/>
   <p:notesSz cx="6858000" cy="9144000"/>
@@ -212,7 +210,7 @@
           <a:effectLst/>
           <a:extLst>
             <a:ext uri="{91240B29-F687-4f45-9708-019B960494DF}">
-              <a14:hiddenLine xmlns:a14="http://schemas.microsoft.com/office/drawing/2010/main" xmlns="" w="9525">
+              <a14:hiddenLine xmlns="" xmlns:a14="http://schemas.microsoft.com/office/drawing/2010/main" w="9525">
                 <a:solidFill>
                   <a:srgbClr val="000000"/>
                 </a:solidFill>
@@ -1722,7 +1720,7 @@
           <a:ln/>
           <a:extLst>
             <a:ext uri="{91240B29-F687-4f45-9708-019B960494DF}">
-              <a14:hiddenLine xmlns:a14="http://schemas.microsoft.com/office/drawing/2010/main" xmlns="" w="9525">
+              <a14:hiddenLine xmlns="" xmlns:a14="http://schemas.microsoft.com/office/drawing/2010/main" w="9525">
                 <a:solidFill>
                   <a:srgbClr val="000000"/>
                 </a:solidFill>
@@ -1994,7 +1992,7 @@
           <a:ln/>
           <a:extLst>
             <a:ext uri="{91240B29-F687-4f45-9708-019B960494DF}">
-              <a14:hiddenLine xmlns:a14="http://schemas.microsoft.com/office/drawing/2010/main" xmlns="" w="9525">
+              <a14:hiddenLine xmlns="" xmlns:a14="http://schemas.microsoft.com/office/drawing/2010/main" w="9525">
                 <a:solidFill>
                   <a:srgbClr val="000000"/>
                 </a:solidFill>
@@ -2274,7 +2272,7 @@
           <a:ln/>
           <a:extLst>
             <a:ext uri="{91240B29-F687-4f45-9708-019B960494DF}">
-              <a14:hiddenLine xmlns:a14="http://schemas.microsoft.com/office/drawing/2010/main" xmlns="" w="9525">
+              <a14:hiddenLine xmlns="" xmlns:a14="http://schemas.microsoft.com/office/drawing/2010/main" w="9525">
                 <a:solidFill>
                   <a:srgbClr val="000000"/>
                 </a:solidFill>
@@ -2894,7 +2892,7 @@
           <a:ln/>
           <a:extLst>
             <a:ext uri="{91240B29-F687-4f45-9708-019B960494DF}">
-              <a14:hiddenLine xmlns:a14="http://schemas.microsoft.com/office/drawing/2010/main" xmlns="" w="9525">
+              <a14:hiddenLine xmlns="" xmlns:a14="http://schemas.microsoft.com/office/drawing/2010/main" w="9525">
                 <a:solidFill>
                   <a:srgbClr val="000000"/>
                 </a:solidFill>
@@ -3230,7 +3228,7 @@
           <a:ln/>
           <a:extLst>
             <a:ext uri="{91240B29-F687-4f45-9708-019B960494DF}">
-              <a14:hiddenLine xmlns:a14="http://schemas.microsoft.com/office/drawing/2010/main" xmlns="" w="9525">
+              <a14:hiddenLine xmlns="" xmlns:a14="http://schemas.microsoft.com/office/drawing/2010/main" w="9525">
                 <a:solidFill>
                   <a:srgbClr val="000000"/>
                 </a:solidFill>
@@ -3704,7 +3702,7 @@
           <a:ln/>
           <a:extLst>
             <a:ext uri="{91240B29-F687-4f45-9708-019B960494DF}">
-              <a14:hiddenLine xmlns:a14="http://schemas.microsoft.com/office/drawing/2010/main" xmlns="" w="9525">
+              <a14:hiddenLine xmlns="" xmlns:a14="http://schemas.microsoft.com/office/drawing/2010/main" w="9525">
                 <a:solidFill>
                   <a:srgbClr val="000000"/>
                 </a:solidFill>
@@ -4127,7 +4125,7 @@
           <a:ln/>
           <a:extLst>
             <a:ext uri="{91240B29-F687-4f45-9708-019B960494DF}">
-              <a14:hiddenLine xmlns:a14="http://schemas.microsoft.com/office/drawing/2010/main" xmlns="" w="9525">
+              <a14:hiddenLine xmlns="" xmlns:a14="http://schemas.microsoft.com/office/drawing/2010/main" w="9525">
                 <a:solidFill>
                   <a:srgbClr val="000000"/>
                 </a:solidFill>
@@ -5390,7 +5388,7 @@
             </a:br>
             <a:r>
               <a:rPr lang="fr-FR" sz="7200" dirty="0"/>
-              <a:t>TRACABILITÉ RFID</a:t>
+              <a:t>TRACABILITÉ EMPRUNTEUR</a:t>
             </a:r>
           </a:p>
         </p:txBody>
@@ -5821,7 +5819,7 @@
         </p:blipFill>
         <p:spPr>
           <a:xfrm>
-            <a:off x="5085091" y="1143195"/>
+            <a:off x="5083946" y="1143195"/>
             <a:ext cx="6655395" cy="4898167"/>
           </a:xfrm>
           <a:prstGeom prst="roundRect">
@@ -5895,14 +5893,14 @@
           <a:p>
             <a:r>
               <a:rPr lang="fr-FR" dirty="0"/>
-              <a:t>Rôle étudiant 3 :</a:t>
+              <a:t>Rôle étudiant 4 :</a:t>
             </a:r>
             <a:br>
               <a:rPr lang="fr-FR" dirty="0"/>
             </a:br>
             <a:r>
               <a:rPr lang="fr-FR" dirty="0"/>
-              <a:t>Application scan RFID</a:t>
+              <a:t>Application emprunteur</a:t>
             </a:r>
           </a:p>
         </p:txBody>
@@ -5939,7 +5937,7 @@
             </a:pPr>
             <a:r>
               <a:rPr lang="fr-FR" sz="2400" dirty="0"/>
-              <a:t>Création d’une partie d’application « SCAN » sous Android Studio</a:t>
+              <a:t>Création d’une partie d’application « emprunteur » sous Android Studio</a:t>
             </a:r>
           </a:p>
           <a:p>
@@ -5949,7 +5947,7 @@
             </a:pPr>
             <a:r>
               <a:rPr lang="fr-FR" sz="2400" dirty="0"/>
-              <a:t>Aider à la création de la partie application « Emprunteur » avec l’étudiant 4</a:t>
+              <a:t>Aider à la création de la partie application « Scan» avec l’étudiant 3</a:t>
             </a:r>
           </a:p>
         </p:txBody>
@@ -6005,7 +6003,7 @@
         <p:spPr>
           <a:xfrm>
             <a:off x="8221546" y="1135894"/>
-            <a:ext cx="2935705" cy="461665"/>
+            <a:ext cx="2935705" cy="830997"/>
           </a:xfrm>
           <a:prstGeom prst="rect">
             <a:avLst/>
@@ -6020,7 +6018,7 @@
           <a:p>
             <a:r>
               <a:rPr lang="fr-FR" sz="2400" b="1" u="sng" dirty="0"/>
-              <a:t>Application SCAN</a:t>
+              <a:t>Application Emprunteur</a:t>
             </a:r>
           </a:p>
         </p:txBody>
@@ -6293,7 +6291,17 @@
             </a:pPr>
             <a:r>
               <a:rPr lang="fr-FR" sz="2400" dirty="0"/>
-              <a:t>Identifier le matériel</a:t>
+              <a:t>Emprunte le matériel</a:t>
+            </a:r>
+          </a:p>
+          <a:p>
+            <a:pPr marL="285750" indent="-285750">
+              <a:buFont typeface="Courier New" panose="02070309020205020404" pitchFamily="49" charset="0"/>
+              <a:buChar char="o"/>
+            </a:pPr>
+            <a:r>
+              <a:rPr lang="fr-FR" sz="2400" dirty="0"/>
+              <a:t>Information sur le matériel</a:t>
             </a:r>
           </a:p>
         </p:txBody>
@@ -6301,7 +6309,7 @@
     </p:spTree>
     <p:extLst>
       <p:ext uri="{BB962C8B-B14F-4D97-AF65-F5344CB8AC3E}">
-        <p14:creationId xmlns:p14="http://schemas.microsoft.com/office/powerpoint/2010/main" val="2602003156"/>
+        <p14:creationId xmlns:p14="http://schemas.microsoft.com/office/powerpoint/2010/main" val="1622655360"/>
       </p:ext>
     </p:extLst>
   </p:cSld>
@@ -6647,822 +6655,6 @@
     <p:extLst>
       <p:ext uri="{BB962C8B-B14F-4D97-AF65-F5344CB8AC3E}">
         <p14:creationId xmlns:p14="http://schemas.microsoft.com/office/powerpoint/2010/main" val="2250430334"/>
-      </p:ext>
-    </p:extLst>
-  </p:cSld>
-  <p:clrMapOvr>
-    <a:masterClrMapping/>
-  </p:clrMapOvr>
-</p:sld>
-</file>
-
-<file path=ppt/slides/slide5.xml><?xml version="1.0" encoding="utf-8"?>
-<p:sld xmlns:a="http://schemas.openxmlformats.org/drawingml/2006/main" xmlns:r="http://schemas.openxmlformats.org/officeDocument/2006/relationships" xmlns:p="http://schemas.openxmlformats.org/presentationml/2006/main">
-  <p:cSld>
-    <p:spTree>
-      <p:nvGrpSpPr>
-        <p:cNvPr id="1" name=""/>
-        <p:cNvGrpSpPr/>
-        <p:nvPr/>
-      </p:nvGrpSpPr>
-      <p:grpSpPr>
-        <a:xfrm>
-          <a:off x="0" y="0"/>
-          <a:ext cx="0" cy="0"/>
-          <a:chOff x="0" y="0"/>
-          <a:chExt cx="0" cy="0"/>
-        </a:xfrm>
-      </p:grpSpPr>
-      <p:sp>
-        <p:nvSpPr>
-          <p:cNvPr id="2" name="Titre 1">
-            <a:extLst>
-              <a:ext uri="{FF2B5EF4-FFF2-40B4-BE49-F238E27FC236}">
-                <a16:creationId xmlns:a16="http://schemas.microsoft.com/office/drawing/2014/main" id="{C0EABB35-02BF-4927-88A2-2B4347F5A20D}"/>
-              </a:ext>
-            </a:extLst>
-          </p:cNvPr>
-          <p:cNvSpPr>
-            <a:spLocks noGrp="1"/>
-          </p:cNvSpPr>
-          <p:nvPr>
-            <p:ph type="title"/>
-          </p:nvPr>
-        </p:nvSpPr>
-        <p:spPr>
-          <a:xfrm>
-            <a:off x="853190" y="1965141"/>
-            <a:ext cx="5893840" cy="1342908"/>
-          </a:xfrm>
-        </p:spPr>
-        <p:txBody>
-          <a:bodyPr/>
-          <a:lstStyle/>
-          <a:p>
-            <a:r>
-              <a:rPr lang="fr-FR" dirty="0"/>
-              <a:t>Rôle étudiant 4 :</a:t>
-            </a:r>
-            <a:br>
-              <a:rPr lang="fr-FR" dirty="0"/>
-            </a:br>
-            <a:r>
-              <a:rPr lang="fr-FR" dirty="0"/>
-              <a:t>Application emprunteur</a:t>
-            </a:r>
-          </a:p>
-        </p:txBody>
-      </p:sp>
-      <p:sp>
-        <p:nvSpPr>
-          <p:cNvPr id="3" name="Espace réservé du texte 2">
-            <a:extLst>
-              <a:ext uri="{FF2B5EF4-FFF2-40B4-BE49-F238E27FC236}">
-                <a16:creationId xmlns:a16="http://schemas.microsoft.com/office/drawing/2014/main" id="{B5912F65-287A-4632-ABC3-8E74B190C1FA}"/>
-              </a:ext>
-            </a:extLst>
-          </p:cNvPr>
-          <p:cNvSpPr>
-            <a:spLocks noGrp="1"/>
-          </p:cNvSpPr>
-          <p:nvPr>
-            <p:ph type="body" idx="1"/>
-          </p:nvPr>
-        </p:nvSpPr>
-        <p:spPr>
-          <a:xfrm>
-            <a:off x="853190" y="4443680"/>
-            <a:ext cx="5891636" cy="2133583"/>
-          </a:xfrm>
-        </p:spPr>
-        <p:txBody>
-          <a:bodyPr/>
-          <a:lstStyle/>
-          <a:p>
-            <a:pPr marL="285750" indent="-285750">
-              <a:buFont typeface="Courier New" panose="02070309020205020404" pitchFamily="49" charset="0"/>
-              <a:buChar char="o"/>
-            </a:pPr>
-            <a:r>
-              <a:rPr lang="fr-FR" sz="2400" dirty="0"/>
-              <a:t>Création d’une partie d’application « emprunteur » sous Android Studio</a:t>
-            </a:r>
-          </a:p>
-          <a:p>
-            <a:pPr marL="285750" indent="-285750">
-              <a:buFont typeface="Courier New" panose="02070309020205020404" pitchFamily="49" charset="0"/>
-              <a:buChar char="o"/>
-            </a:pPr>
-            <a:r>
-              <a:rPr lang="fr-FR" sz="2400" dirty="0"/>
-              <a:t>Aider à la création de la partie application « Scan» avec l’étudiant 3</a:t>
-            </a:r>
-          </a:p>
-        </p:txBody>
-      </p:sp>
-      <p:pic>
-        <p:nvPicPr>
-          <p:cNvPr id="10" name="Image 9">
-            <a:extLst>
-              <a:ext uri="{FF2B5EF4-FFF2-40B4-BE49-F238E27FC236}">
-                <a16:creationId xmlns:a16="http://schemas.microsoft.com/office/drawing/2014/main" id="{61FAD1AB-71DB-4156-899F-DCC887E024CD}"/>
-              </a:ext>
-            </a:extLst>
-          </p:cNvPr>
-          <p:cNvPicPr>
-            <a:picLocks noChangeAspect="1"/>
-          </p:cNvPicPr>
-          <p:nvPr/>
-        </p:nvPicPr>
-        <p:blipFill>
-          <a:blip r:embed="rId2" cstate="print">
-            <a:extLst>
-              <a:ext uri="{28A0092B-C50C-407E-A947-70E740481C1C}">
-                <a14:useLocalDpi xmlns:a14="http://schemas.microsoft.com/office/drawing/2010/main" val="0"/>
-              </a:ext>
-            </a:extLst>
-          </a:blip>
-          <a:stretch>
-            <a:fillRect/>
-          </a:stretch>
-        </p:blipFill>
-        <p:spPr>
-          <a:xfrm>
-            <a:off x="8694759" y="3940156"/>
-            <a:ext cx="1989283" cy="2490356"/>
-          </a:xfrm>
-          <a:prstGeom prst="rect">
-            <a:avLst/>
-          </a:prstGeom>
-        </p:spPr>
-      </p:pic>
-      <p:sp>
-        <p:nvSpPr>
-          <p:cNvPr id="4" name="ZoneTexte 3">
-            <a:extLst>
-              <a:ext uri="{FF2B5EF4-FFF2-40B4-BE49-F238E27FC236}">
-                <a16:creationId xmlns:a16="http://schemas.microsoft.com/office/drawing/2014/main" id="{CBEFB6C7-F802-4D47-80D7-841B6A40CDA6}"/>
-              </a:ext>
-            </a:extLst>
-          </p:cNvPr>
-          <p:cNvSpPr txBox="1"/>
-          <p:nvPr/>
-        </p:nvSpPr>
-        <p:spPr>
-          <a:xfrm>
-            <a:off x="8221546" y="1135894"/>
-            <a:ext cx="2935705" cy="830997"/>
-          </a:xfrm>
-          <a:prstGeom prst="rect">
-            <a:avLst/>
-          </a:prstGeom>
-          <a:noFill/>
-        </p:spPr>
-        <p:txBody>
-          <a:bodyPr wrap="square" rtlCol="0">
-            <a:spAutoFit/>
-          </a:bodyPr>
-          <a:lstStyle/>
-          <a:p>
-            <a:r>
-              <a:rPr lang="fr-FR" sz="2400" b="1" u="sng" dirty="0"/>
-              <a:t>Application Emprunteur</a:t>
-            </a:r>
-          </a:p>
-        </p:txBody>
-      </p:sp>
-      <p:sp>
-        <p:nvSpPr>
-          <p:cNvPr id="7" name="Espace réservé du texte 2">
-            <a:extLst>
-              <a:ext uri="{FF2B5EF4-FFF2-40B4-BE49-F238E27FC236}">
-                <a16:creationId xmlns:a16="http://schemas.microsoft.com/office/drawing/2014/main" id="{14E3AEFB-7170-42B0-A722-64066F6E406D}"/>
-              </a:ext>
-            </a:extLst>
-          </p:cNvPr>
-          <p:cNvSpPr txBox="1">
-            <a:spLocks/>
-          </p:cNvSpPr>
-          <p:nvPr/>
-        </p:nvSpPr>
-        <p:spPr>
-          <a:xfrm>
-            <a:off x="7426992" y="1839921"/>
-            <a:ext cx="4524814" cy="1615512"/>
-          </a:xfrm>
-          <a:prstGeom prst="rect">
-            <a:avLst/>
-          </a:prstGeom>
-          <a:effectLst>
-            <a:outerShdw blurRad="50800" dir="14400000">
-              <a:srgbClr val="000000">
-                <a:alpha val="40000"/>
-              </a:srgbClr>
-            </a:outerShdw>
-          </a:effectLst>
-        </p:spPr>
-        <p:txBody>
-          <a:bodyPr vert="horz" lIns="91440" tIns="45720" rIns="91440" bIns="45720" rtlCol="0" anchor="t">
-            <a:noAutofit/>
-          </a:bodyPr>
-          <a:lstStyle>
-            <a:lvl1pPr marL="0" indent="0" algn="l" defTabSz="457200" rtl="0" eaLnBrk="1" latinLnBrk="0" hangingPunct="1">
-              <a:spcBef>
-                <a:spcPct val="20000"/>
-              </a:spcBef>
-              <a:spcAft>
-                <a:spcPts val="600"/>
-              </a:spcAft>
-              <a:buClr>
-                <a:schemeClr val="accent1"/>
-              </a:buClr>
-              <a:buFont typeface="Wingdings 2" charset="2"/>
-              <a:buNone/>
-              <a:defRPr sz="1800" kern="1200">
-                <a:solidFill>
-                  <a:schemeClr val="tx1"/>
-                </a:solidFill>
-                <a:latin typeface="+mn-lt"/>
-                <a:ea typeface="+mn-ea"/>
-                <a:cs typeface="+mn-cs"/>
-              </a:defRPr>
-            </a:lvl1pPr>
-            <a:lvl2pPr marL="457200" indent="0" algn="l" defTabSz="457200" rtl="0" eaLnBrk="1" latinLnBrk="0" hangingPunct="1">
-              <a:spcBef>
-                <a:spcPct val="20000"/>
-              </a:spcBef>
-              <a:spcAft>
-                <a:spcPts val="600"/>
-              </a:spcAft>
-              <a:buClr>
-                <a:schemeClr val="accent1"/>
-              </a:buClr>
-              <a:buFont typeface="Wingdings 2" charset="2"/>
-              <a:buNone/>
-              <a:defRPr sz="1800" kern="1200">
-                <a:solidFill>
-                  <a:schemeClr val="tx1">
-                    <a:tint val="75000"/>
-                  </a:schemeClr>
-                </a:solidFill>
-                <a:latin typeface="+mn-lt"/>
-                <a:ea typeface="+mn-ea"/>
-                <a:cs typeface="+mn-cs"/>
-              </a:defRPr>
-            </a:lvl2pPr>
-            <a:lvl3pPr marL="914400" indent="0" algn="l" defTabSz="457200" rtl="0" eaLnBrk="1" latinLnBrk="0" hangingPunct="1">
-              <a:spcBef>
-                <a:spcPct val="20000"/>
-              </a:spcBef>
-              <a:spcAft>
-                <a:spcPts val="600"/>
-              </a:spcAft>
-              <a:buClr>
-                <a:schemeClr val="accent1"/>
-              </a:buClr>
-              <a:buFont typeface="Wingdings 2" charset="2"/>
-              <a:buNone/>
-              <a:defRPr sz="1600" kern="1200">
-                <a:solidFill>
-                  <a:schemeClr val="tx1">
-                    <a:tint val="75000"/>
-                  </a:schemeClr>
-                </a:solidFill>
-                <a:latin typeface="+mn-lt"/>
-                <a:ea typeface="+mn-ea"/>
-                <a:cs typeface="+mn-cs"/>
-              </a:defRPr>
-            </a:lvl3pPr>
-            <a:lvl4pPr marL="1371600" indent="0" algn="l" defTabSz="457200" rtl="0" eaLnBrk="1" latinLnBrk="0" hangingPunct="1">
-              <a:spcBef>
-                <a:spcPct val="20000"/>
-              </a:spcBef>
-              <a:spcAft>
-                <a:spcPts val="600"/>
-              </a:spcAft>
-              <a:buClr>
-                <a:schemeClr val="accent1"/>
-              </a:buClr>
-              <a:buFont typeface="Wingdings 2" charset="2"/>
-              <a:buNone/>
-              <a:defRPr sz="1400" kern="1200">
-                <a:solidFill>
-                  <a:schemeClr val="tx1">
-                    <a:tint val="75000"/>
-                  </a:schemeClr>
-                </a:solidFill>
-                <a:latin typeface="+mn-lt"/>
-                <a:ea typeface="+mn-ea"/>
-                <a:cs typeface="+mn-cs"/>
-              </a:defRPr>
-            </a:lvl4pPr>
-            <a:lvl5pPr marL="1828800" indent="0" algn="l" defTabSz="457200" rtl="0" eaLnBrk="1" latinLnBrk="0" hangingPunct="1">
-              <a:spcBef>
-                <a:spcPct val="20000"/>
-              </a:spcBef>
-              <a:spcAft>
-                <a:spcPts val="600"/>
-              </a:spcAft>
-              <a:buClr>
-                <a:schemeClr val="accent1"/>
-              </a:buClr>
-              <a:buFont typeface="Wingdings 2" charset="2"/>
-              <a:buNone/>
-              <a:defRPr sz="1400" kern="1200">
-                <a:solidFill>
-                  <a:schemeClr val="tx1">
-                    <a:tint val="75000"/>
-                  </a:schemeClr>
-                </a:solidFill>
-                <a:latin typeface="+mn-lt"/>
-                <a:ea typeface="+mn-ea"/>
-                <a:cs typeface="+mn-cs"/>
-              </a:defRPr>
-            </a:lvl5pPr>
-            <a:lvl6pPr marL="2286000" indent="0" algn="l" defTabSz="457200" rtl="0" eaLnBrk="1" latinLnBrk="0" hangingPunct="1">
-              <a:spcBef>
-                <a:spcPct val="20000"/>
-              </a:spcBef>
-              <a:spcAft>
-                <a:spcPts val="600"/>
-              </a:spcAft>
-              <a:buClr>
-                <a:schemeClr val="accent1"/>
-              </a:buClr>
-              <a:buFont typeface="Wingdings 2" charset="2"/>
-              <a:buNone/>
-              <a:defRPr sz="1400" kern="1200">
-                <a:solidFill>
-                  <a:schemeClr val="tx1">
-                    <a:tint val="75000"/>
-                  </a:schemeClr>
-                </a:solidFill>
-                <a:latin typeface="+mn-lt"/>
-                <a:ea typeface="+mn-ea"/>
-                <a:cs typeface="+mn-cs"/>
-              </a:defRPr>
-            </a:lvl6pPr>
-            <a:lvl7pPr marL="2743200" indent="0" algn="l" defTabSz="457200" rtl="0" eaLnBrk="1" latinLnBrk="0" hangingPunct="1">
-              <a:spcBef>
-                <a:spcPct val="20000"/>
-              </a:spcBef>
-              <a:spcAft>
-                <a:spcPts val="600"/>
-              </a:spcAft>
-              <a:buClr>
-                <a:schemeClr val="accent1"/>
-              </a:buClr>
-              <a:buFont typeface="Wingdings 2" charset="2"/>
-              <a:buNone/>
-              <a:defRPr sz="1400" kern="1200">
-                <a:solidFill>
-                  <a:schemeClr val="tx1">
-                    <a:tint val="75000"/>
-                  </a:schemeClr>
-                </a:solidFill>
-                <a:latin typeface="+mn-lt"/>
-                <a:ea typeface="+mn-ea"/>
-                <a:cs typeface="+mn-cs"/>
-              </a:defRPr>
-            </a:lvl7pPr>
-            <a:lvl8pPr marL="3200400" indent="0" algn="l" defTabSz="457200" rtl="0" eaLnBrk="1" latinLnBrk="0" hangingPunct="1">
-              <a:spcBef>
-                <a:spcPct val="20000"/>
-              </a:spcBef>
-              <a:spcAft>
-                <a:spcPts val="600"/>
-              </a:spcAft>
-              <a:buClr>
-                <a:schemeClr val="accent1"/>
-              </a:buClr>
-              <a:buFont typeface="Wingdings 2" charset="2"/>
-              <a:buNone/>
-              <a:defRPr sz="1400" kern="1200">
-                <a:solidFill>
-                  <a:schemeClr val="tx1">
-                    <a:tint val="75000"/>
-                  </a:schemeClr>
-                </a:solidFill>
-                <a:latin typeface="+mn-lt"/>
-                <a:ea typeface="+mn-ea"/>
-                <a:cs typeface="+mn-cs"/>
-              </a:defRPr>
-            </a:lvl8pPr>
-            <a:lvl9pPr marL="3657600" indent="0" algn="l" defTabSz="457200" rtl="0" eaLnBrk="1" latinLnBrk="0" hangingPunct="1">
-              <a:spcBef>
-                <a:spcPct val="20000"/>
-              </a:spcBef>
-              <a:spcAft>
-                <a:spcPts val="600"/>
-              </a:spcAft>
-              <a:buClr>
-                <a:schemeClr val="accent1"/>
-              </a:buClr>
-              <a:buFont typeface="Wingdings 2" charset="2"/>
-              <a:buNone/>
-              <a:defRPr sz="1400" kern="1200">
-                <a:solidFill>
-                  <a:schemeClr val="tx1">
-                    <a:tint val="75000"/>
-                  </a:schemeClr>
-                </a:solidFill>
-                <a:latin typeface="+mn-lt"/>
-                <a:ea typeface="+mn-ea"/>
-                <a:cs typeface="+mn-cs"/>
-              </a:defRPr>
-            </a:lvl9pPr>
-          </a:lstStyle>
-          <a:p>
-            <a:pPr marL="285750" indent="-285750">
-              <a:buFont typeface="Courier New" panose="02070309020205020404" pitchFamily="49" charset="0"/>
-              <a:buChar char="o"/>
-            </a:pPr>
-            <a:r>
-              <a:rPr lang="fr-FR" sz="2400" dirty="0"/>
-              <a:t>Scanner une étiquette RFID</a:t>
-            </a:r>
-          </a:p>
-          <a:p>
-            <a:pPr marL="285750" indent="-285750">
-              <a:buFont typeface="Courier New" panose="02070309020205020404" pitchFamily="49" charset="0"/>
-              <a:buChar char="o"/>
-            </a:pPr>
-            <a:r>
-              <a:rPr lang="fr-FR" sz="2400" dirty="0"/>
-              <a:t>Sécuriser le matériel</a:t>
-            </a:r>
-          </a:p>
-          <a:p>
-            <a:pPr marL="285750" indent="-285750">
-              <a:buFont typeface="Courier New" panose="02070309020205020404" pitchFamily="49" charset="0"/>
-              <a:buChar char="o"/>
-            </a:pPr>
-            <a:r>
-              <a:rPr lang="fr-FR" sz="2400" dirty="0"/>
-              <a:t>Emprunte le matériel</a:t>
-            </a:r>
-          </a:p>
-          <a:p>
-            <a:pPr marL="285750" indent="-285750">
-              <a:buFont typeface="Courier New" panose="02070309020205020404" pitchFamily="49" charset="0"/>
-              <a:buChar char="o"/>
-            </a:pPr>
-            <a:r>
-              <a:rPr lang="fr-FR" sz="2400" dirty="0"/>
-              <a:t>Information sur le matériel</a:t>
-            </a:r>
-          </a:p>
-        </p:txBody>
-      </p:sp>
-    </p:spTree>
-    <p:extLst>
-      <p:ext uri="{BB962C8B-B14F-4D97-AF65-F5344CB8AC3E}">
-        <p14:creationId xmlns:p14="http://schemas.microsoft.com/office/powerpoint/2010/main" val="1622655360"/>
-      </p:ext>
-    </p:extLst>
-  </p:cSld>
-  <p:clrMapOvr>
-    <a:masterClrMapping/>
-  </p:clrMapOvr>
-</p:sld>
-</file>
-
-<file path=ppt/slides/slide6.xml><?xml version="1.0" encoding="utf-8"?>
-<p:sld xmlns:a="http://schemas.openxmlformats.org/drawingml/2006/main" xmlns:r="http://schemas.openxmlformats.org/officeDocument/2006/relationships" xmlns:p="http://schemas.openxmlformats.org/presentationml/2006/main">
-  <p:cSld>
-    <p:spTree>
-      <p:nvGrpSpPr>
-        <p:cNvPr id="1" name=""/>
-        <p:cNvGrpSpPr/>
-        <p:nvPr/>
-      </p:nvGrpSpPr>
-      <p:grpSpPr>
-        <a:xfrm>
-          <a:off x="0" y="0"/>
-          <a:ext cx="0" cy="0"/>
-          <a:chOff x="0" y="0"/>
-          <a:chExt cx="0" cy="0"/>
-        </a:xfrm>
-      </p:grpSpPr>
-      <p:sp>
-        <p:nvSpPr>
-          <p:cNvPr id="2" name="Titre 1">
-            <a:extLst>
-              <a:ext uri="{FF2B5EF4-FFF2-40B4-BE49-F238E27FC236}">
-                <a16:creationId xmlns:a16="http://schemas.microsoft.com/office/drawing/2014/main" id="{E0B0C63A-BD8F-4F56-BCC9-E96007308935}"/>
-              </a:ext>
-            </a:extLst>
-          </p:cNvPr>
-          <p:cNvSpPr>
-            <a:spLocks noGrp="1"/>
-          </p:cNvSpPr>
-          <p:nvPr>
-            <p:ph type="title"/>
-          </p:nvPr>
-        </p:nvSpPr>
-        <p:spPr/>
-        <p:txBody>
-          <a:bodyPr/>
-          <a:lstStyle/>
-          <a:p>
-            <a:r>
-              <a:rPr lang="fr-FR" sz="5400" dirty="0"/>
-              <a:t>Matériels &amp; technologies</a:t>
-            </a:r>
-          </a:p>
-        </p:txBody>
-      </p:sp>
-      <p:pic>
-        <p:nvPicPr>
-          <p:cNvPr id="3" name="Image 2">
-            <a:extLst>
-              <a:ext uri="{FF2B5EF4-FFF2-40B4-BE49-F238E27FC236}">
-                <a16:creationId xmlns:a16="http://schemas.microsoft.com/office/drawing/2014/main" id="{9BC7E72C-AC4F-4DF5-A115-1C40F59723F4}"/>
-              </a:ext>
-            </a:extLst>
-          </p:cNvPr>
-          <p:cNvPicPr>
-            <a:picLocks noChangeAspect="1"/>
-          </p:cNvPicPr>
-          <p:nvPr/>
-        </p:nvPicPr>
-        <p:blipFill>
-          <a:blip r:embed="rId2" cstate="print">
-            <a:extLst>
-              <a:ext uri="{28A0092B-C50C-407E-A947-70E740481C1C}">
-                <a14:useLocalDpi xmlns:a14="http://schemas.microsoft.com/office/drawing/2010/main" val="0"/>
-              </a:ext>
-            </a:extLst>
-          </a:blip>
-          <a:stretch>
-            <a:fillRect/>
-          </a:stretch>
-        </p:blipFill>
-        <p:spPr>
-          <a:xfrm>
-            <a:off x="3596152" y="3833536"/>
-            <a:ext cx="1361257" cy="2382198"/>
-          </a:xfrm>
-          <a:prstGeom prst="rect">
-            <a:avLst/>
-          </a:prstGeom>
-        </p:spPr>
-      </p:pic>
-      <p:pic>
-        <p:nvPicPr>
-          <p:cNvPr id="4" name="Image 3">
-            <a:extLst>
-              <a:ext uri="{FF2B5EF4-FFF2-40B4-BE49-F238E27FC236}">
-                <a16:creationId xmlns:a16="http://schemas.microsoft.com/office/drawing/2014/main" id="{CBF00F78-D246-44B3-8737-ECED94ABD6E2}"/>
-              </a:ext>
-            </a:extLst>
-          </p:cNvPr>
-          <p:cNvPicPr>
-            <a:picLocks noChangeAspect="1"/>
-          </p:cNvPicPr>
-          <p:nvPr/>
-        </p:nvPicPr>
-        <p:blipFill>
-          <a:blip r:embed="rId3">
-            <a:extLst>
-              <a:ext uri="{BEBA8EAE-BF5A-486C-A8C5-ECC9F3942E4B}">
-                <a14:imgProps xmlns:a14="http://schemas.microsoft.com/office/drawing/2010/main">
-                  <a14:imgLayer r:embed="rId4">
-                    <a14:imgEffect>
-                      <a14:backgroundRemoval t="5291" b="95591" l="1764" r="97002">
-                        <a14:foregroundMark x1="8818" y1="24339" x2="2646" y2="44621"/>
-                        <a14:foregroundMark x1="2646" y1="44621" x2="1764" y2="55732"/>
-                        <a14:foregroundMark x1="1764" y1="55732" x2="2675" y2="61707"/>
-                        <a14:foregroundMark x1="12558" y1="81587" x2="13757" y2="83598"/>
-                        <a14:foregroundMark x1="5568" y1="69858" x2="11746" y2="80223"/>
-                        <a14:foregroundMark x1="13757" y1="83598" x2="38095" y2="95591"/>
-                        <a14:foregroundMark x1="38095" y1="95591" x2="55379" y2="97178"/>
-                        <a14:foregroundMark x1="55379" y1="97178" x2="78204" y2="90001"/>
-                        <a14:foregroundMark x1="85822" y1="84170" x2="94533" y2="68959"/>
-                        <a14:foregroundMark x1="94533" y1="68959" x2="97178" y2="44268"/>
-                        <a14:foregroundMark x1="97178" y1="44268" x2="94180" y2="32981"/>
-                        <a14:foregroundMark x1="94180" y1="32981" x2="82011" y2="14462"/>
-                        <a14:foregroundMark x1="82011" y1="14462" x2="43210" y2="4233"/>
-                        <a14:foregroundMark x1="43210" y1="4233" x2="24868" y2="10053"/>
-                        <a14:foregroundMark x1="24868" y1="10053" x2="11915" y2="19416"/>
-                        <a14:foregroundMark x1="8877" y1="24965" x2="8466" y2="26279"/>
-                        <a14:foregroundMark x1="51943" y1="54759" x2="52205" y2="54497"/>
-                        <a14:foregroundMark x1="93122" y1="27160" x2="97531" y2="48325"/>
-                        <a14:foregroundMark x1="97531" y1="48325" x2="97002" y2="59436"/>
-                        <a14:foregroundMark x1="97002" y1="59436" x2="93122" y2="72310"/>
-                        <a14:foregroundMark x1="4762" y1="32804" x2="1764" y2="54497"/>
-                        <a14:foregroundMark x1="1764" y1="54497" x2="3325" y2="61477"/>
-                        <a14:foregroundMark x1="27866" y1="93122" x2="51499" y2="98589"/>
-                        <a14:foregroundMark x1="51499" y1="98589" x2="67372" y2="95591"/>
-                        <a14:foregroundMark x1="67372" y1="95591" x2="72310" y2="93122"/>
-                        <a14:foregroundMark x1="70899" y1="6173" x2="54497" y2="1940"/>
-                        <a14:foregroundMark x1="31487" y1="5041" x2="30199" y2="5214"/>
-                        <a14:foregroundMark x1="54497" y1="1940" x2="31533" y2="5034"/>
-                        <a14:backgroundMark x1="9877" y1="21340" x2="9877" y2="21340"/>
-                        <a14:backgroundMark x1="10935" y1="19753" x2="10935" y2="19753"/>
-                        <a14:backgroundMark x1="10053" y1="20459" x2="10053" y2="20459"/>
-                        <a14:backgroundMark x1="10406" y1="20988" x2="11464" y2="19224"/>
-                        <a14:backgroundMark x1="8818" y1="23104" x2="11993" y2="19224"/>
-                        <a14:backgroundMark x1="31393" y1="5291" x2="31570" y2="4938"/>
-                        <a14:backgroundMark x1="28571" y1="5820" x2="30335" y2="4938"/>
-                        <a14:backgroundMark x1="30688" y1="4938" x2="30688" y2="4938"/>
-                        <a14:backgroundMark x1="3175" y1="66843" x2="3175" y2="66843"/>
-                        <a14:backgroundMark x1="3175" y1="66314" x2="3175" y2="66314"/>
-                        <a14:backgroundMark x1="2998" y1="65961" x2="2998" y2="65961"/>
-                        <a14:backgroundMark x1="2116" y1="61905" x2="5115" y2="70018"/>
-                        <a14:backgroundMark x1="11464" y1="80952" x2="12875" y2="81129"/>
-                        <a14:backgroundMark x1="12875" y1="83245" x2="12522" y2="82540"/>
-                        <a14:backgroundMark x1="77601" y1="91358" x2="85009" y2="85362"/>
-                        <a14:backgroundMark x1="85009" y1="85362" x2="85009" y2="86067"/>
-                        <a14:backgroundMark x1="85714" y1="84127" x2="84303" y2="87478"/>
-                        <a14:backgroundMark x1="49206" y1="47795" x2="52205" y2="53968"/>
-                        <a14:backgroundMark x1="48325" y1="47795" x2="47090" y2="47266"/>
-                        <a14:backgroundMark x1="52205" y1="55026" x2="52910" y2="53439"/>
-                        <a14:backgroundMark x1="48677" y1="46032" x2="48501" y2="45855"/>
-                        <a14:backgroundMark x1="49030" y1="46561" x2="48148" y2="45326"/>
-                        <a14:backgroundMark x1="50794" y1="54497" x2="51675" y2="54497"/>
-                        <a14:backgroundMark x1="51852" y1="54674" x2="51146" y2="55203"/>
-                        <a14:backgroundMark x1="51852" y1="55026" x2="51852" y2="55026"/>
-                        <a14:backgroundMark x1="52028" y1="53792" x2="52028" y2="53792"/>
-                        <a14:backgroundMark x1="52205" y1="54321" x2="52205" y2="54321"/>
-                        <a14:backgroundMark x1="52205" y1="54321" x2="52205" y2="54321"/>
-                        <a14:backgroundMark x1="51852" y1="54145" x2="51852" y2="54145"/>
-                        <a14:backgroundMark x1="51852" y1="54145" x2="51852" y2="54145"/>
-                        <a14:backgroundMark x1="51852" y1="54145" x2="51852" y2="54145"/>
-                        <a14:backgroundMark x1="48501" y1="45855" x2="48501" y2="45855"/>
-                        <a14:backgroundMark x1="48501" y1="45503" x2="48501" y2="45503"/>
-                        <a14:backgroundMark x1="48148" y1="45503" x2="48148" y2="45503"/>
-                        <a14:backgroundMark x1="47619" y1="45503" x2="49383" y2="45503"/>
-                      </a14:backgroundRemoval>
-                    </a14:imgEffect>
-                  </a14:imgLayer>
-                </a14:imgProps>
-              </a:ext>
-              <a:ext uri="{28A0092B-C50C-407E-A947-70E740481C1C}">
-                <a14:useLocalDpi xmlns:a14="http://schemas.microsoft.com/office/drawing/2010/main" val="0"/>
-              </a:ext>
-            </a:extLst>
-          </a:blip>
-          <a:stretch>
-            <a:fillRect/>
-          </a:stretch>
-        </p:blipFill>
-        <p:spPr>
-          <a:xfrm>
-            <a:off x="435817" y="3979153"/>
-            <a:ext cx="2447459" cy="2090963"/>
-          </a:xfrm>
-          <a:prstGeom prst="rect">
-            <a:avLst/>
-          </a:prstGeom>
-        </p:spPr>
-      </p:pic>
-      <p:sp>
-        <p:nvSpPr>
-          <p:cNvPr id="5" name="ZoneTexte 4">
-            <a:extLst>
-              <a:ext uri="{FF2B5EF4-FFF2-40B4-BE49-F238E27FC236}">
-                <a16:creationId xmlns:a16="http://schemas.microsoft.com/office/drawing/2014/main" id="{2F61662E-57F0-4406-A385-9957ECCC1D3C}"/>
-              </a:ext>
-            </a:extLst>
-          </p:cNvPr>
-          <p:cNvSpPr txBox="1"/>
-          <p:nvPr/>
-        </p:nvSpPr>
-        <p:spPr>
-          <a:xfrm>
-            <a:off x="1945249" y="2782669"/>
-            <a:ext cx="2331532" cy="646331"/>
-          </a:xfrm>
-          <a:prstGeom prst="rect">
-            <a:avLst/>
-          </a:prstGeom>
-          <a:noFill/>
-        </p:spPr>
-        <p:txBody>
-          <a:bodyPr wrap="square" rtlCol="0">
-            <a:spAutoFit/>
-          </a:bodyPr>
-          <a:lstStyle/>
-          <a:p>
-            <a:r>
-              <a:rPr lang="fr-FR" sz="3600" b="1" dirty="0"/>
-              <a:t>Physique</a:t>
-            </a:r>
-          </a:p>
-        </p:txBody>
-      </p:sp>
-      <p:sp>
-        <p:nvSpPr>
-          <p:cNvPr id="6" name="ZoneTexte 5">
-            <a:extLst>
-              <a:ext uri="{FF2B5EF4-FFF2-40B4-BE49-F238E27FC236}">
-                <a16:creationId xmlns:a16="http://schemas.microsoft.com/office/drawing/2014/main" id="{51E32AEB-A3F5-4B00-8910-12363FA847CF}"/>
-              </a:ext>
-            </a:extLst>
-          </p:cNvPr>
-          <p:cNvSpPr txBox="1"/>
-          <p:nvPr/>
-        </p:nvSpPr>
-        <p:spPr>
-          <a:xfrm>
-            <a:off x="7915219" y="2782669"/>
-            <a:ext cx="2331532" cy="646331"/>
-          </a:xfrm>
-          <a:prstGeom prst="rect">
-            <a:avLst/>
-          </a:prstGeom>
-          <a:noFill/>
-        </p:spPr>
-        <p:txBody>
-          <a:bodyPr wrap="square" rtlCol="0">
-            <a:spAutoFit/>
-          </a:bodyPr>
-          <a:lstStyle/>
-          <a:p>
-            <a:r>
-              <a:rPr lang="fr-FR" sz="3600" b="1" dirty="0"/>
-              <a:t>Logiciel</a:t>
-            </a:r>
-          </a:p>
-        </p:txBody>
-      </p:sp>
-      <p:pic>
-        <p:nvPicPr>
-          <p:cNvPr id="7" name="Image 6">
-            <a:extLst>
-              <a:ext uri="{FF2B5EF4-FFF2-40B4-BE49-F238E27FC236}">
-                <a16:creationId xmlns:a16="http://schemas.microsoft.com/office/drawing/2014/main" id="{C3F29262-998C-405A-B910-7DF7C5B9789D}"/>
-              </a:ext>
-            </a:extLst>
-          </p:cNvPr>
-          <p:cNvPicPr>
-            <a:picLocks noChangeAspect="1"/>
-          </p:cNvPicPr>
-          <p:nvPr/>
-        </p:nvPicPr>
-        <p:blipFill>
-          <a:blip r:embed="rId5" cstate="print">
-            <a:extLst>
-              <a:ext uri="{28A0092B-C50C-407E-A947-70E740481C1C}">
-                <a14:useLocalDpi xmlns:a14="http://schemas.microsoft.com/office/drawing/2010/main" val="0"/>
-              </a:ext>
-            </a:extLst>
-          </a:blip>
-          <a:stretch>
-            <a:fillRect/>
-          </a:stretch>
-        </p:blipFill>
-        <p:spPr>
-          <a:xfrm>
-            <a:off x="6544673" y="4174231"/>
-            <a:ext cx="1700808" cy="1700808"/>
-          </a:xfrm>
-          <a:prstGeom prst="rect">
-            <a:avLst/>
-          </a:prstGeom>
-        </p:spPr>
-      </p:pic>
-      <p:pic>
-        <p:nvPicPr>
-          <p:cNvPr id="8" name="Image 7">
-            <a:extLst>
-              <a:ext uri="{FF2B5EF4-FFF2-40B4-BE49-F238E27FC236}">
-                <a16:creationId xmlns:a16="http://schemas.microsoft.com/office/drawing/2014/main" id="{10689F10-2223-410A-AD0E-5CA156E7918B}"/>
-              </a:ext>
-            </a:extLst>
-          </p:cNvPr>
-          <p:cNvPicPr>
-            <a:picLocks noChangeAspect="1"/>
-          </p:cNvPicPr>
-          <p:nvPr/>
-        </p:nvPicPr>
-        <p:blipFill>
-          <a:blip r:embed="rId6" cstate="print">
-            <a:extLst>
-              <a:ext uri="{28A0092B-C50C-407E-A947-70E740481C1C}">
-                <a14:useLocalDpi xmlns:a14="http://schemas.microsoft.com/office/drawing/2010/main" val="0"/>
-              </a:ext>
-            </a:extLst>
-          </a:blip>
-          <a:stretch>
-            <a:fillRect/>
-          </a:stretch>
-        </p:blipFill>
-        <p:spPr>
-          <a:xfrm>
-            <a:off x="9681190" y="4091462"/>
-            <a:ext cx="1700808" cy="1700808"/>
-          </a:xfrm>
-          <a:prstGeom prst="rect">
-            <a:avLst/>
-          </a:prstGeom>
-        </p:spPr>
-      </p:pic>
-    </p:spTree>
-    <p:extLst>
-      <p:ext uri="{BB962C8B-B14F-4D97-AF65-F5344CB8AC3E}">
-        <p14:creationId xmlns:p14="http://schemas.microsoft.com/office/powerpoint/2010/main" val="2861865556"/>
       </p:ext>
     </p:extLst>
   </p:cSld>

--- a/Revue n1/Presentation du projet SFL2 (Pierre).pptx
+++ b/Revue n1/Presentation du projet SFL2 (Pierre).pptx
@@ -210,7 +210,7 @@
           <a:effectLst/>
           <a:extLst>
             <a:ext uri="{91240B29-F687-4f45-9708-019B960494DF}">
-              <a14:hiddenLine xmlns="" xmlns:a14="http://schemas.microsoft.com/office/drawing/2010/main" w="9525">
+              <a14:hiddenLine xmlns:a14="http://schemas.microsoft.com/office/drawing/2010/main" xmlns="" w="9525">
                 <a:solidFill>
                   <a:srgbClr val="000000"/>
                 </a:solidFill>
@@ -403,7 +403,7 @@
             <a:fld id="{08B9EBBA-996F-894A-B54A-D6246ED52CEA}" type="datetimeFigureOut">
               <a:rPr lang="en-US" dirty="0"/>
               <a:pPr/>
-              <a:t>1/18/2019</a:t>
+              <a:t>1/23/2019</a:t>
             </a:fld>
             <a:endParaRPr lang="en-US" dirty="0"/>
           </a:p>
@@ -718,7 +718,7 @@
             <a:fld id="{18C79C5D-2A6F-F04D-97DA-BEF2467B64E4}" type="datetimeFigureOut">
               <a:rPr lang="en-US" dirty="0"/>
               <a:pPr/>
-              <a:t>1/18/2019</a:t>
+              <a:t>1/23/2019</a:t>
             </a:fld>
             <a:endParaRPr lang="en-US" dirty="0"/>
           </a:p>
@@ -1203,7 +1203,7 @@
             <a:fld id="{8DFA1846-DA80-1C48-A609-854EA85C59AD}" type="datetimeFigureOut">
               <a:rPr lang="en-US" dirty="0"/>
               <a:pPr/>
-              <a:t>1/18/2019</a:t>
+              <a:t>1/23/2019</a:t>
             </a:fld>
             <a:endParaRPr lang="en-US" dirty="0"/>
           </a:p>
@@ -1569,7 +1569,7 @@
             <a:fld id="{FBF54567-0DE4-3F47-BF90-CB84690072F9}" type="datetimeFigureOut">
               <a:rPr lang="en-US" dirty="0"/>
               <a:pPr/>
-              <a:t>1/18/2019</a:t>
+              <a:t>1/23/2019</a:t>
             </a:fld>
             <a:endParaRPr lang="en-US" dirty="0"/>
           </a:p>
@@ -1720,7 +1720,7 @@
           <a:ln/>
           <a:extLst>
             <a:ext uri="{91240B29-F687-4f45-9708-019B960494DF}">
-              <a14:hiddenLine xmlns="" xmlns:a14="http://schemas.microsoft.com/office/drawing/2010/main" w="9525">
+              <a14:hiddenLine xmlns:a14="http://schemas.microsoft.com/office/drawing/2010/main" xmlns="" w="9525">
                 <a:solidFill>
                   <a:srgbClr val="000000"/>
                 </a:solidFill>
@@ -1839,7 +1839,7 @@
             <a:fld id="{C6C52C72-DE31-F449-A4ED-4C594FD91407}" type="datetimeFigureOut">
               <a:rPr lang="en-US" dirty="0"/>
               <a:pPr/>
-              <a:t>1/18/2019</a:t>
+              <a:t>1/23/2019</a:t>
             </a:fld>
             <a:endParaRPr lang="en-US" dirty="0"/>
           </a:p>
@@ -1992,7 +1992,7 @@
           <a:ln/>
           <a:extLst>
             <a:ext uri="{91240B29-F687-4f45-9708-019B960494DF}">
-              <a14:hiddenLine xmlns="" xmlns:a14="http://schemas.microsoft.com/office/drawing/2010/main" w="9525">
+              <a14:hiddenLine xmlns:a14="http://schemas.microsoft.com/office/drawing/2010/main" xmlns="" w="9525">
                 <a:solidFill>
                   <a:srgbClr val="000000"/>
                 </a:solidFill>
@@ -2121,7 +2121,7 @@
             <a:fld id="{ED62726E-379B-B349-9EED-81ED093FA806}" type="datetimeFigureOut">
               <a:rPr lang="en-US" dirty="0"/>
               <a:pPr/>
-              <a:t>1/18/2019</a:t>
+              <a:t>1/23/2019</a:t>
             </a:fld>
             <a:endParaRPr lang="en-US" dirty="0"/>
           </a:p>
@@ -2272,7 +2272,7 @@
           <a:ln/>
           <a:extLst>
             <a:ext uri="{91240B29-F687-4f45-9708-019B960494DF}">
-              <a14:hiddenLine xmlns="" xmlns:a14="http://schemas.microsoft.com/office/drawing/2010/main" w="9525">
+              <a14:hiddenLine xmlns:a14="http://schemas.microsoft.com/office/drawing/2010/main" xmlns="" w="9525">
                 <a:solidFill>
                   <a:srgbClr val="000000"/>
                 </a:solidFill>
@@ -2401,7 +2401,7 @@
             <a:fld id="{9B3A1323-8D79-1946-B0D7-40001CF92E9D}" type="datetimeFigureOut">
               <a:rPr lang="en-US" dirty="0"/>
               <a:pPr/>
-              <a:t>1/18/2019</a:t>
+              <a:t>1/23/2019</a:t>
             </a:fld>
             <a:endParaRPr lang="en-US" dirty="0"/>
           </a:p>
@@ -2741,7 +2741,7 @@
             <a:fld id="{8DFA1846-DA80-1C48-A609-854EA85C59AD}" type="datetimeFigureOut">
               <a:rPr lang="en-US" dirty="0"/>
               <a:pPr/>
-              <a:t>1/18/2019</a:t>
+              <a:t>1/23/2019</a:t>
             </a:fld>
             <a:endParaRPr lang="en-US" dirty="0"/>
           </a:p>
@@ -2892,7 +2892,7 @@
           <a:ln/>
           <a:extLst>
             <a:ext uri="{91240B29-F687-4f45-9708-019B960494DF}">
-              <a14:hiddenLine xmlns="" xmlns:a14="http://schemas.microsoft.com/office/drawing/2010/main" w="9525">
+              <a14:hiddenLine xmlns:a14="http://schemas.microsoft.com/office/drawing/2010/main" xmlns="" w="9525">
                 <a:solidFill>
                   <a:srgbClr val="000000"/>
                 </a:solidFill>
@@ -3077,7 +3077,7 @@
             <a:fld id="{57302355-E14B-8545-A8F8-0FE83CC9D524}" type="datetimeFigureOut">
               <a:rPr lang="en-US" dirty="0"/>
               <a:pPr/>
-              <a:t>1/18/2019</a:t>
+              <a:t>1/23/2019</a:t>
             </a:fld>
             <a:endParaRPr lang="en-US" dirty="0"/>
           </a:p>
@@ -3228,7 +3228,7 @@
           <a:ln/>
           <a:extLst>
             <a:ext uri="{91240B29-F687-4f45-9708-019B960494DF}">
-              <a14:hiddenLine xmlns="" xmlns:a14="http://schemas.microsoft.com/office/drawing/2010/main" w="9525">
+              <a14:hiddenLine xmlns:a14="http://schemas.microsoft.com/office/drawing/2010/main" xmlns="" w="9525">
                 <a:solidFill>
                   <a:srgbClr val="000000"/>
                 </a:solidFill>
@@ -3551,7 +3551,7 @@
             <a:fld id="{02640F58-564D-2B4F-AE67-E407BA4FCF45}" type="datetimeFigureOut">
               <a:rPr lang="en-US" dirty="0"/>
               <a:pPr/>
-              <a:t>1/18/2019</a:t>
+              <a:t>1/23/2019</a:t>
             </a:fld>
             <a:endParaRPr lang="en-US" dirty="0"/>
           </a:p>
@@ -3702,7 +3702,7 @@
           <a:ln/>
           <a:extLst>
             <a:ext uri="{91240B29-F687-4f45-9708-019B960494DF}">
-              <a14:hiddenLine xmlns="" xmlns:a14="http://schemas.microsoft.com/office/drawing/2010/main" w="9525">
+              <a14:hiddenLine xmlns:a14="http://schemas.microsoft.com/office/drawing/2010/main" xmlns="" w="9525">
                 <a:solidFill>
                   <a:srgbClr val="000000"/>
                 </a:solidFill>
@@ -3769,7 +3769,7 @@
             <a:fld id="{F13A34C8-038E-2045-AF43-DF7DBB8E0E9E}" type="datetimeFigureOut">
               <a:rPr lang="en-US" dirty="0"/>
               <a:pPr/>
-              <a:t>1/18/2019</a:t>
+              <a:t>1/23/2019</a:t>
             </a:fld>
             <a:endParaRPr lang="en-US" dirty="0"/>
           </a:p>
@@ -3861,7 +3861,7 @@
             <a:fld id="{8818C68F-D26B-8F47-958C-23B49CF8A634}" type="datetimeFigureOut">
               <a:rPr lang="en-US" dirty="0"/>
               <a:pPr/>
-              <a:t>1/18/2019</a:t>
+              <a:t>1/23/2019</a:t>
             </a:fld>
             <a:endParaRPr lang="en-US" dirty="0"/>
           </a:p>
@@ -4125,7 +4125,7 @@
           <a:ln/>
           <a:extLst>
             <a:ext uri="{91240B29-F687-4f45-9708-019B960494DF}">
-              <a14:hiddenLine xmlns="" xmlns:a14="http://schemas.microsoft.com/office/drawing/2010/main" w="9525">
+              <a14:hiddenLine xmlns:a14="http://schemas.microsoft.com/office/drawing/2010/main" xmlns="" w="9525">
                 <a:solidFill>
                   <a:srgbClr val="000000"/>
                 </a:solidFill>
@@ -4325,7 +4325,7 @@
             <a:fld id="{D0DF5E60-9974-AC48-9591-99C2BB44B7CF}" type="datetimeFigureOut">
               <a:rPr lang="en-US" dirty="0"/>
               <a:pPr/>
-              <a:t>1/18/2019</a:t>
+              <a:t>1/23/2019</a:t>
             </a:fld>
             <a:endParaRPr lang="en-US" dirty="0"/>
           </a:p>
@@ -4635,7 +4635,7 @@
             <a:fld id="{18C79C5D-2A6F-F04D-97DA-BEF2467B64E4}" type="datetimeFigureOut">
               <a:rPr lang="en-US" dirty="0"/>
               <a:pPr/>
-              <a:t>1/18/2019</a:t>
+              <a:t>1/23/2019</a:t>
             </a:fld>
             <a:endParaRPr lang="en-US" dirty="0"/>
           </a:p>
@@ -4902,7 +4902,7 @@
             <a:fld id="{09B482E8-6E0E-1B4F-B1FD-C69DB9E858D9}" type="datetimeFigureOut">
               <a:rPr lang="en-US" dirty="0"/>
               <a:pPr/>
-              <a:t>1/18/2019</a:t>
+              <a:t>1/23/2019</a:t>
             </a:fld>
             <a:endParaRPr lang="en-US" dirty="0"/>
           </a:p>
@@ -5388,7 +5388,7 @@
             </a:br>
             <a:r>
               <a:rPr lang="fr-FR" sz="7200" dirty="0"/>
-              <a:t>TRACABILITÉ EMPRUNTEUR</a:t>
+              <a:t>TRACABILITÉ RFID</a:t>
             </a:r>
           </a:p>
         </p:txBody>
@@ -5893,14 +5893,14 @@
           <a:p>
             <a:r>
               <a:rPr lang="fr-FR" dirty="0"/>
-              <a:t>Rôle étudiant 4 :</a:t>
+              <a:t>Rôle étudiant 3 :</a:t>
             </a:r>
             <a:br>
               <a:rPr lang="fr-FR" dirty="0"/>
             </a:br>
             <a:r>
               <a:rPr lang="fr-FR" dirty="0"/>
-              <a:t>Application emprunteur</a:t>
+              <a:t>Application SCAN</a:t>
             </a:r>
           </a:p>
         </p:txBody>
@@ -5937,7 +5937,7 @@
             </a:pPr>
             <a:r>
               <a:rPr lang="fr-FR" sz="2400" dirty="0"/>
-              <a:t>Création d’une partie d’application « emprunteur » sous Android Studio</a:t>
+              <a:t>Création d’une partie d’application « SCAN » sous Android Studio</a:t>
             </a:r>
           </a:p>
           <a:p>
@@ -5947,7 +5947,7 @@
             </a:pPr>
             <a:r>
               <a:rPr lang="fr-FR" sz="2400" dirty="0"/>
-              <a:t>Aider à la création de la partie application « Scan» avec l’étudiant 3</a:t>
+              <a:t>Aider à la création de la partie application « Emprunteur » avec l’étudiant 4</a:t>
             </a:r>
           </a:p>
         </p:txBody>
@@ -6002,8 +6002,8 @@
         </p:nvSpPr>
         <p:spPr>
           <a:xfrm>
-            <a:off x="8221546" y="1135894"/>
-            <a:ext cx="2935705" cy="830997"/>
+            <a:off x="8602480" y="939699"/>
+            <a:ext cx="1989283" cy="830997"/>
           </a:xfrm>
           <a:prstGeom prst="rect">
             <a:avLst/>
